--- a/展示.pptx
+++ b/展示.pptx
@@ -5,7 +5,7 @@
     <p:sldMasterId id="2147493455" r:id="rId4"/>
   </p:sldMasterIdLst>
   <p:notesMasterIdLst>
-    <p:notesMasterId r:id="rId18"/>
+    <p:notesMasterId r:id="rId19"/>
   </p:notesMasterIdLst>
   <p:sldIdLst>
     <p:sldId id="256" r:id="rId5"/>
@@ -16,11 +16,12 @@
     <p:sldId id="279" r:id="rId10"/>
     <p:sldId id="280" r:id="rId11"/>
     <p:sldId id="281" r:id="rId12"/>
-    <p:sldId id="282" r:id="rId13"/>
-    <p:sldId id="283" r:id="rId14"/>
-    <p:sldId id="284" r:id="rId15"/>
-    <p:sldId id="285" r:id="rId16"/>
-    <p:sldId id="267" r:id="rId17"/>
+    <p:sldId id="283" r:id="rId13"/>
+    <p:sldId id="286" r:id="rId14"/>
+    <p:sldId id="282" r:id="rId15"/>
+    <p:sldId id="284" r:id="rId16"/>
+    <p:sldId id="285" r:id="rId17"/>
+    <p:sldId id="267" r:id="rId18"/>
   </p:sldIdLst>
   <p:sldSz cx="12193588" cy="6858000"/>
   <p:notesSz cx="6858000" cy="9144000"/>
@@ -4694,7 +4695,7 @@
             <a:fld id="{725A60A4-BF96-CF41-A1B3-E3F3623CC63B}" type="datetimeFigureOut">
               <a:rPr kumimoji="1" lang="zh-CN" altLang="en-US" smtClean="0"/>
               <a:pPr/>
-              <a:t>2019/12/20</a:t>
+              <a:t>2019/12/23</a:t>
             </a:fld>
             <a:endParaRPr kumimoji="1" lang="zh-CN" altLang="en-US"/>
           </a:p>
@@ -5006,18 +5007,7 @@
           <a:bodyPr/>
           <a:lstStyle/>
           <a:p>
-            <a:r>
-              <a:rPr lang="zh-CN" altLang="en-US" dirty="0"/>
-              <a:t>第一条为</a:t>
-            </a:r>
-            <a:r>
-              <a:rPr lang="en-US" altLang="zh-CN" dirty="0"/>
-              <a:t>NS</a:t>
-            </a:r>
-            <a:r>
-              <a:rPr lang="zh-CN" altLang="en-US" dirty="0"/>
-              <a:t>类记录，表示该域的查询</a:t>
-            </a:r>
+            <a:endParaRPr lang="zh-CN" altLang="en-US" dirty="0"/>
           </a:p>
         </p:txBody>
       </p:sp>
@@ -5039,7 +5029,103 @@
             <a:fld id="{99DB2C51-1261-5B47-A110-4904E1A866A8}" type="slidenum">
               <a:rPr kumimoji="1" lang="zh-CN" altLang="en-US" smtClean="0"/>
               <a:pPr/>
-              <a:t>9</a:t>
+              <a:t>1</a:t>
+            </a:fld>
+            <a:endParaRPr kumimoji="1" lang="zh-CN" altLang="en-US"/>
+          </a:p>
+        </p:txBody>
+      </p:sp>
+    </p:spTree>
+    <p:extLst>
+      <p:ext uri="{BB962C8B-B14F-4D97-AF65-F5344CB8AC3E}">
+        <p14:creationId xmlns:p14="http://schemas.microsoft.com/office/powerpoint/2010/main" val="140210109"/>
+      </p:ext>
+    </p:extLst>
+  </p:cSld>
+  <p:clrMapOvr>
+    <a:masterClrMapping/>
+  </p:clrMapOvr>
+</p:notes>
+</file>
+
+<file path=ppt/notesSlides/notesSlide2.xml><?xml version="1.0" encoding="utf-8"?>
+<p:notes xmlns:a="http://schemas.openxmlformats.org/drawingml/2006/main" xmlns:r="http://schemas.openxmlformats.org/officeDocument/2006/relationships" xmlns:p="http://schemas.openxmlformats.org/presentationml/2006/main">
+  <p:cSld>
+    <p:spTree>
+      <p:nvGrpSpPr>
+        <p:cNvPr id="1" name=""/>
+        <p:cNvGrpSpPr/>
+        <p:nvPr/>
+      </p:nvGrpSpPr>
+      <p:grpSpPr>
+        <a:xfrm>
+          <a:off x="0" y="0"/>
+          <a:ext cx="0" cy="0"/>
+          <a:chOff x="0" y="0"/>
+          <a:chExt cx="0" cy="0"/>
+        </a:xfrm>
+      </p:grpSpPr>
+      <p:sp>
+        <p:nvSpPr>
+          <p:cNvPr id="2" name="Slide Image Placeholder 1"/>
+          <p:cNvSpPr>
+            <a:spLocks noGrp="1" noRot="1" noChangeAspect="1"/>
+          </p:cNvSpPr>
+          <p:nvPr>
+            <p:ph type="sldImg"/>
+          </p:nvPr>
+        </p:nvSpPr>
+        <p:spPr/>
+      </p:sp>
+      <p:sp>
+        <p:nvSpPr>
+          <p:cNvPr id="3" name="Notes Placeholder 2"/>
+          <p:cNvSpPr>
+            <a:spLocks noGrp="1"/>
+          </p:cNvSpPr>
+          <p:nvPr>
+            <p:ph type="body" idx="1"/>
+          </p:nvPr>
+        </p:nvSpPr>
+        <p:spPr/>
+        <p:txBody>
+          <a:bodyPr/>
+          <a:lstStyle/>
+          <a:p>
+            <a:r>
+              <a:rPr lang="zh-CN" altLang="en-US" dirty="0"/>
+              <a:t>第一条为</a:t>
+            </a:r>
+            <a:r>
+              <a:rPr lang="en-US" altLang="zh-CN" dirty="0"/>
+              <a:t>NS</a:t>
+            </a:r>
+            <a:r>
+              <a:rPr lang="zh-CN" altLang="en-US" dirty="0"/>
+              <a:t>类记录，表示该域的查询</a:t>
+            </a:r>
+          </a:p>
+        </p:txBody>
+      </p:sp>
+      <p:sp>
+        <p:nvSpPr>
+          <p:cNvPr id="4" name="Slide Number Placeholder 3"/>
+          <p:cNvSpPr>
+            <a:spLocks noGrp="1"/>
+          </p:cNvSpPr>
+          <p:nvPr>
+            <p:ph type="sldNum" sz="quarter" idx="5"/>
+          </p:nvPr>
+        </p:nvSpPr>
+        <p:spPr/>
+        <p:txBody>
+          <a:bodyPr/>
+          <a:lstStyle/>
+          <a:p>
+            <a:fld id="{99DB2C51-1261-5B47-A110-4904E1A866A8}" type="slidenum">
+              <a:rPr kumimoji="1" lang="zh-CN" altLang="en-US" smtClean="0"/>
+              <a:pPr/>
+              <a:t>11</a:t>
             </a:fld>
             <a:endParaRPr kumimoji="1" lang="zh-CN" altLang="en-US"/>
           </a:p>
@@ -6430,7 +6516,7 @@
                   </a:schemeClr>
                 </a:solidFill>
               </a:rPr>
-              <a:t>第五组</a:t>
+              <a:t>封斯旸 高鸿鹏 石景宜</a:t>
             </a:r>
             <a:endParaRPr lang="en-US" altLang="zh-CN" sz="2000" dirty="0">
               <a:solidFill>
@@ -6812,39 +6898,19 @@
               <a:t>客户机产生上网数据包，通过代理发送给</a:t>
             </a:r>
             <a:r>
-              <a:rPr kumimoji="1" lang="en-US" altLang="zh-CN" sz="1333" dirty="0">
-                <a:solidFill>
-                  <a:prstClr val="black">
-                    <a:lumMod val="75000"/>
-                    <a:lumOff val="25000"/>
-                  </a:prstClr>
+              <a:rPr kumimoji="1" lang="zh-CN" altLang="en-US" sz="1333" dirty="0">
+                <a:solidFill>
+                  <a:srgbClr val="FF0000"/>
                 </a:solidFill>
                 <a:latin typeface="Century Gothic"/>
                 <a:ea typeface="微软雅黑"/>
                 <a:cs typeface="微软雅黑"/>
               </a:rPr>
-              <a:t>dns2tcp</a:t>
-            </a:r>
-            <a:r>
-              <a:rPr kumimoji="1" lang="zh-CN" altLang="en-US" sz="1333" dirty="0">
-                <a:solidFill>
-                  <a:prstClr val="black">
-                    <a:lumMod val="75000"/>
-                    <a:lumOff val="25000"/>
-                  </a:prstClr>
-                </a:solidFill>
-                <a:latin typeface="Century Gothic"/>
-                <a:ea typeface="微软雅黑"/>
-                <a:cs typeface="微软雅黑"/>
-              </a:rPr>
-              <a:t>客户端</a:t>
+              <a:t>隧道客户端</a:t>
             </a:r>
             <a:endParaRPr kumimoji="1" lang="zh-CN" altLang="en-US" sz="1333" dirty="0">
               <a:solidFill>
-                <a:prstClr val="black">
-                  <a:lumMod val="75000"/>
-                  <a:lumOff val="25000"/>
-                </a:prstClr>
+                <a:srgbClr val="FF0000"/>
               </a:solidFill>
               <a:cs typeface="微软雅黑"/>
             </a:endParaRPr>
@@ -6936,16 +7002,17 @@
               </a:lnSpc>
             </a:pPr>
             <a:r>
-              <a:rPr kumimoji="1" lang="en-US" altLang="zh-CN" sz="1333" dirty="0">
+              <a:rPr kumimoji="1" lang="zh-CN" altLang="en-US" sz="1333" dirty="0">
                 <a:solidFill>
                   <a:prstClr val="black">
                     <a:lumMod val="75000"/>
                     <a:lumOff val="25000"/>
                   </a:prstClr>
                 </a:solidFill>
+                <a:ea typeface="微软雅黑"/>
                 <a:cs typeface="微软雅黑"/>
               </a:rPr>
-              <a:t>Dns2tcp</a:t>
+              <a:t>隧道客户端</a:t>
             </a:r>
             <a:r>
               <a:rPr kumimoji="1" lang="zh-CN" altLang="en-US" sz="1333" dirty="0">
@@ -6957,7 +7024,7 @@
                 </a:solidFill>
                 <a:cs typeface="微软雅黑"/>
               </a:rPr>
-              <a:t>客户端封装数据包为</a:t>
+              <a:t>封装数据包为</a:t>
             </a:r>
             <a:r>
               <a:rPr kumimoji="1" lang="en-US" altLang="zh-CN" sz="1333" dirty="0" err="1">
@@ -7024,8 +7091,8 @@
         </p:nvSpPr>
         <p:spPr>
           <a:xfrm>
-            <a:off x="3930675" y="2525429"/>
-            <a:ext cx="2374875" cy="896634"/>
+            <a:off x="3930675" y="2392091"/>
+            <a:ext cx="2374875" cy="1163310"/>
           </a:xfrm>
           <a:prstGeom prst="rect">
             <a:avLst/>
@@ -7098,6 +7165,24 @@
             <a:r>
               <a:rPr kumimoji="1" lang="en-US" altLang="zh-CN" sz="1333" dirty="0">
                 <a:solidFill>
+                  <a:srgbClr val="FF0000"/>
+                </a:solidFill>
+                <a:cs typeface="微软雅黑"/>
+              </a:rPr>
+              <a:t>DNS</a:t>
+            </a:r>
+            <a:r>
+              <a:rPr kumimoji="1" lang="zh-CN" altLang="en-US" sz="1333" dirty="0">
+                <a:solidFill>
+                  <a:srgbClr val="FF0000"/>
+                </a:solidFill>
+                <a:cs typeface="微软雅黑"/>
+              </a:rPr>
+              <a:t>记录</a:t>
+            </a:r>
+            <a:r>
+              <a:rPr kumimoji="1" lang="zh-CN" altLang="en-US" sz="1333" dirty="0">
+                <a:solidFill>
                   <a:prstClr val="black">
                     <a:lumMod val="75000"/>
                     <a:lumOff val="25000"/>
@@ -7105,19 +7190,16 @@
                 </a:solidFill>
                 <a:cs typeface="微软雅黑"/>
               </a:rPr>
-              <a:t>DNS</a:t>
+              <a:t>，被发送到我们的</a:t>
             </a:r>
             <a:r>
               <a:rPr kumimoji="1" lang="zh-CN" altLang="en-US" sz="1333" dirty="0">
                 <a:solidFill>
-                  <a:prstClr val="black">
-                    <a:lumMod val="75000"/>
-                    <a:lumOff val="25000"/>
-                  </a:prstClr>
+                  <a:srgbClr val="FF0000"/>
                 </a:solidFill>
                 <a:cs typeface="微软雅黑"/>
               </a:rPr>
-              <a:t>记录，被发送到我们的服务器</a:t>
+              <a:t>校外服务器</a:t>
             </a:r>
           </a:p>
         </p:txBody>
@@ -7183,8 +7265,8 @@
         </p:nvSpPr>
         <p:spPr>
           <a:xfrm>
-            <a:off x="7340625" y="2532366"/>
-            <a:ext cx="2374875" cy="896634"/>
+            <a:off x="7340625" y="2658767"/>
+            <a:ext cx="2374875" cy="629958"/>
           </a:xfrm>
           <a:prstGeom prst="rect">
             <a:avLst/>
@@ -7207,7 +7289,16 @@
               </a:lnSpc>
             </a:pPr>
             <a:r>
-              <a:rPr kumimoji="1" lang="en-US" altLang="zh-CN" sz="1333" dirty="0">
+              <a:rPr kumimoji="1" lang="zh-CN" altLang="en-US" sz="1333" dirty="0">
+                <a:solidFill>
+                  <a:srgbClr val="FF0000"/>
+                </a:solidFill>
+                <a:cs typeface="微软雅黑"/>
+              </a:rPr>
+              <a:t>隧道服务端</a:t>
+            </a:r>
+            <a:r>
+              <a:rPr kumimoji="1" lang="zh-CN" altLang="en-US" sz="1333" dirty="0">
                 <a:solidFill>
                   <a:prstClr val="black">
                     <a:lumMod val="75000"/>
@@ -7216,19 +7307,7 @@
                 </a:solidFill>
                 <a:cs typeface="微软雅黑"/>
               </a:rPr>
-              <a:t>Dns2tcp</a:t>
-            </a:r>
-            <a:r>
-              <a:rPr kumimoji="1" lang="zh-CN" altLang="en-US" sz="1333" dirty="0">
-                <a:solidFill>
-                  <a:prstClr val="black">
-                    <a:lumMod val="75000"/>
-                    <a:lumOff val="25000"/>
-                  </a:prstClr>
-                </a:solidFill>
-                <a:cs typeface="微软雅黑"/>
-              </a:rPr>
-              <a:t>服务端解封装包，并从请求字段对应端口发送出去</a:t>
+              <a:t>解封装包，并从请求字段对应端口发送出去</a:t>
             </a:r>
           </a:p>
         </p:txBody>
@@ -7252,7 +7331,7 @@
         <p:spPr>
           <a:xfrm>
             <a:off x="6305550" y="2973746"/>
-            <a:ext cx="1035075" cy="6937"/>
+            <a:ext cx="1035075" cy="0"/>
           </a:xfrm>
           <a:prstGeom prst="straightConnector1">
             <a:avLst/>
@@ -7298,8 +7377,8 @@
         </p:nvCxnSpPr>
         <p:spPr>
           <a:xfrm flipH="1">
-            <a:off x="8528062" y="3429000"/>
-            <a:ext cx="1" cy="647799"/>
+            <a:off x="8528062" y="3288725"/>
+            <a:ext cx="1" cy="788074"/>
           </a:xfrm>
           <a:prstGeom prst="straightConnector1">
             <a:avLst/>
@@ -7573,10 +7652,10 @@
                 </a:solidFill>
                 <a:cs typeface="微软雅黑"/>
               </a:rPr>
-              <a:t>客户机收到发送给</a:t>
-            </a:r>
-            <a:r>
-              <a:rPr kumimoji="1" lang="en-US" altLang="zh-CN" sz="1333" dirty="0">
+              <a:t>客户机收到发送给隧道客户端的</a:t>
+            </a:r>
+            <a:r>
+              <a:rPr kumimoji="1" lang="en-US" altLang="zh-CN" sz="1333" dirty="0" err="1">
                 <a:solidFill>
                   <a:prstClr val="black">
                     <a:lumMod val="75000"/>
@@ -7585,7 +7664,7 @@
                 </a:solidFill>
                 <a:cs typeface="微软雅黑"/>
               </a:rPr>
-              <a:t>dns2tcp</a:t>
+              <a:t>dns</a:t>
             </a:r>
             <a:r>
               <a:rPr kumimoji="1" lang="zh-CN" altLang="en-US" sz="1333" dirty="0">
@@ -7597,55 +7676,7 @@
                 </a:solidFill>
                 <a:cs typeface="微软雅黑"/>
               </a:rPr>
-              <a:t>客户端的</a:t>
-            </a:r>
-            <a:r>
-              <a:rPr kumimoji="1" lang="en-US" altLang="zh-CN" sz="1333" dirty="0" err="1">
-                <a:solidFill>
-                  <a:prstClr val="black">
-                    <a:lumMod val="75000"/>
-                    <a:lumOff val="25000"/>
-                  </a:prstClr>
-                </a:solidFill>
-                <a:cs typeface="微软雅黑"/>
-              </a:rPr>
-              <a:t>dns</a:t>
-            </a:r>
-            <a:r>
-              <a:rPr kumimoji="1" lang="zh-CN" altLang="en-US" sz="1333" dirty="0">
-                <a:solidFill>
-                  <a:prstClr val="black">
-                    <a:lumMod val="75000"/>
-                    <a:lumOff val="25000"/>
-                  </a:prstClr>
-                </a:solidFill>
-                <a:cs typeface="微软雅黑"/>
-              </a:rPr>
-              <a:t>回复包，由</a:t>
-            </a:r>
-            <a:r>
-              <a:rPr kumimoji="1" lang="en-US" altLang="zh-CN" sz="1333" dirty="0">
-                <a:solidFill>
-                  <a:prstClr val="black">
-                    <a:lumMod val="75000"/>
-                    <a:lumOff val="25000"/>
-                  </a:prstClr>
-                </a:solidFill>
-                <a:cs typeface="微软雅黑"/>
-              </a:rPr>
-              <a:t>dns2tcp</a:t>
-            </a:r>
-            <a:r>
-              <a:rPr kumimoji="1" lang="zh-CN" altLang="en-US" sz="1333" dirty="0">
-                <a:solidFill>
-                  <a:prstClr val="black">
-                    <a:lumMod val="75000"/>
-                    <a:lumOff val="25000"/>
-                  </a:prstClr>
-                </a:solidFill>
-                <a:cs typeface="微软雅黑"/>
-              </a:rPr>
-              <a:t>解封装，并发送给原进程</a:t>
+              <a:t>回复包，由隧道客户端解封装，并发送给原进程</a:t>
             </a:r>
           </a:p>
         </p:txBody>
@@ -7809,7 +7840,7 @@
     </p:spTree>
     <p:extLst>
       <p:ext uri="{BB962C8B-B14F-4D97-AF65-F5344CB8AC3E}">
-        <p14:creationId xmlns:p14="http://schemas.microsoft.com/office/powerpoint/2010/main" val="1494422761"/>
+        <p14:creationId xmlns:p14="http://schemas.microsoft.com/office/powerpoint/2010/main" val="584694703"/>
       </p:ext>
     </p:extLst>
   </p:cSld>
@@ -7832,6 +7863,678 @@
 </file>
 
 <file path=ppt/slides/slide11.xml><?xml version="1.0" encoding="utf-8"?>
+<p:sld xmlns:a="http://schemas.openxmlformats.org/drawingml/2006/main" xmlns:r="http://schemas.openxmlformats.org/officeDocument/2006/relationships" xmlns:p="http://schemas.openxmlformats.org/presentationml/2006/main">
+  <p:cSld>
+    <p:spTree>
+      <p:nvGrpSpPr>
+        <p:cNvPr id="1" name=""/>
+        <p:cNvGrpSpPr/>
+        <p:nvPr/>
+      </p:nvGrpSpPr>
+      <p:grpSpPr>
+        <a:xfrm>
+          <a:off x="0" y="0"/>
+          <a:ext cx="0" cy="0"/>
+          <a:chOff x="0" y="0"/>
+          <a:chExt cx="0" cy="0"/>
+        </a:xfrm>
+      </p:grpSpPr>
+      <p:sp>
+        <p:nvSpPr>
+          <p:cNvPr id="88" name="矩形 87"/>
+          <p:cNvSpPr/>
+          <p:nvPr/>
+        </p:nvSpPr>
+        <p:spPr>
+          <a:xfrm>
+            <a:off x="0" y="3238786"/>
+            <a:ext cx="2265387" cy="2739020"/>
+          </a:xfrm>
+          <a:prstGeom prst="rect">
+            <a:avLst/>
+          </a:prstGeom>
+          <a:noFill/>
+        </p:spPr>
+        <p:txBody>
+          <a:bodyPr wrap="square">
+            <a:spAutoFit/>
+          </a:bodyPr>
+          <a:lstStyle/>
+          <a:p>
+            <a:pPr algn="ctr">
+              <a:lnSpc>
+                <a:spcPct val="200000"/>
+              </a:lnSpc>
+            </a:pPr>
+            <a:r>
+              <a:rPr lang="zh-CN" altLang="en-US" sz="1867" b="1" dirty="0">
+                <a:solidFill>
+                  <a:schemeClr val="bg1"/>
+                </a:solidFill>
+              </a:rPr>
+              <a:t>点击此处添加标题</a:t>
+            </a:r>
+            <a:endParaRPr lang="en-US" altLang="zh-CN" sz="667" b="1" dirty="0">
+              <a:solidFill>
+                <a:schemeClr val="bg1"/>
+              </a:solidFill>
+            </a:endParaRPr>
+          </a:p>
+          <a:p>
+            <a:pPr algn="ctr">
+              <a:lnSpc>
+                <a:spcPct val="200000"/>
+              </a:lnSpc>
+            </a:pPr>
+            <a:endParaRPr lang="en-US" altLang="zh-CN" sz="667" b="1" dirty="0">
+              <a:solidFill>
+                <a:schemeClr val="bg1"/>
+              </a:solidFill>
+            </a:endParaRPr>
+          </a:p>
+          <a:p>
+            <a:pPr algn="ctr">
+              <a:lnSpc>
+                <a:spcPct val="130000"/>
+              </a:lnSpc>
+            </a:pPr>
+            <a:r>
+              <a:rPr lang="zh-CN" altLang="en-US" sz="1333" dirty="0">
+                <a:solidFill>
+                  <a:schemeClr val="bg1"/>
+                </a:solidFill>
+              </a:rPr>
+              <a:t>点击此处添加文本信息。</a:t>
+            </a:r>
+          </a:p>
+          <a:p>
+            <a:pPr algn="ctr">
+              <a:lnSpc>
+                <a:spcPct val="130000"/>
+              </a:lnSpc>
+            </a:pPr>
+            <a:r>
+              <a:rPr lang="zh-CN" altLang="en-US" sz="1333" dirty="0">
+                <a:solidFill>
+                  <a:schemeClr val="bg1"/>
+                </a:solidFill>
+              </a:rPr>
+              <a:t>标题数字等都可以通过点击和重新输入进行更改，顶部“开始”面板中可以对字体、字号、颜色、行距等进行修改。建议正文</a:t>
+            </a:r>
+            <a:r>
+              <a:rPr lang="en-US" altLang="zh-CN" sz="1333" dirty="0">
+                <a:solidFill>
+                  <a:schemeClr val="bg1"/>
+                </a:solidFill>
+              </a:rPr>
+              <a:t>10</a:t>
+            </a:r>
+            <a:r>
+              <a:rPr lang="zh-CN" altLang="en-US" sz="1333" dirty="0">
+                <a:solidFill>
+                  <a:schemeClr val="bg1"/>
+                </a:solidFill>
+              </a:rPr>
+              <a:t>号字，</a:t>
+            </a:r>
+            <a:r>
+              <a:rPr lang="en-US" altLang="zh-CN" sz="1333" dirty="0">
+                <a:solidFill>
+                  <a:schemeClr val="bg1"/>
+                </a:solidFill>
+              </a:rPr>
+              <a:t>1.3</a:t>
+            </a:r>
+            <a:r>
+              <a:rPr lang="zh-CN" altLang="en-US" sz="1333" dirty="0">
+                <a:solidFill>
+                  <a:schemeClr val="bg1"/>
+                </a:solidFill>
+              </a:rPr>
+              <a:t>倍字间距。</a:t>
+            </a:r>
+            <a:endParaRPr lang="en-US" altLang="zh-CN" sz="1333" dirty="0">
+              <a:solidFill>
+                <a:schemeClr val="bg1"/>
+              </a:solidFill>
+            </a:endParaRPr>
+          </a:p>
+        </p:txBody>
+      </p:sp>
+      <p:cxnSp>
+        <p:nvCxnSpPr>
+          <p:cNvPr id="91" name="直接连接符 16"/>
+          <p:cNvCxnSpPr/>
+          <p:nvPr/>
+        </p:nvCxnSpPr>
+        <p:spPr>
+          <a:xfrm>
+            <a:off x="816207" y="3156461"/>
+            <a:ext cx="10462187" cy="0"/>
+          </a:xfrm>
+          <a:prstGeom prst="line">
+            <a:avLst/>
+          </a:prstGeom>
+          <a:ln>
+            <a:solidFill>
+              <a:schemeClr val="bg1"/>
+            </a:solidFill>
+          </a:ln>
+        </p:spPr>
+        <p:style>
+          <a:lnRef idx="1">
+            <a:schemeClr val="accent1"/>
+          </a:lnRef>
+          <a:fillRef idx="0">
+            <a:schemeClr val="accent1"/>
+          </a:fillRef>
+          <a:effectRef idx="0">
+            <a:schemeClr val="accent1"/>
+          </a:effectRef>
+          <a:fontRef idx="minor">
+            <a:schemeClr val="tx1"/>
+          </a:fontRef>
+        </p:style>
+      </p:cxnSp>
+      <p:sp>
+        <p:nvSpPr>
+          <p:cNvPr id="92" name="文本框 91"/>
+          <p:cNvSpPr txBox="1"/>
+          <p:nvPr/>
+        </p:nvSpPr>
+        <p:spPr>
+          <a:xfrm>
+            <a:off x="1154431" y="315858"/>
+            <a:ext cx="2879983" cy="566351"/>
+          </a:xfrm>
+          <a:prstGeom prst="rect">
+            <a:avLst/>
+          </a:prstGeom>
+          <a:noFill/>
+        </p:spPr>
+        <p:txBody>
+          <a:bodyPr wrap="square" lIns="121899" tIns="60949" rIns="121899" bIns="60949" rtlCol="0" anchor="ctr">
+            <a:spAutoFit/>
+          </a:bodyPr>
+          <a:lstStyle/>
+          <a:p>
+            <a:pPr>
+              <a:lnSpc>
+                <a:spcPct val="110000"/>
+              </a:lnSpc>
+            </a:pPr>
+            <a:r>
+              <a:rPr kumimoji="1" lang="en-US" altLang="zh-CN" sz="2800" b="1" dirty="0">
+                <a:solidFill>
+                  <a:srgbClr val="1F1F1F"/>
+                </a:solidFill>
+                <a:latin typeface="Calibri"/>
+                <a:ea typeface="宋体"/>
+              </a:rPr>
+              <a:t>DNS</a:t>
+            </a:r>
+            <a:r>
+              <a:rPr kumimoji="1" lang="zh-CN" altLang="en-US" sz="2800" b="1" dirty="0">
+                <a:solidFill>
+                  <a:srgbClr val="1F1F1F"/>
+                </a:solidFill>
+                <a:latin typeface="Calibri"/>
+                <a:ea typeface="宋体"/>
+              </a:rPr>
+              <a:t>隧道</a:t>
+            </a:r>
+            <a:endParaRPr kumimoji="1" lang="zh-CN" altLang="en-US" sz="3200" b="1" dirty="0">
+              <a:solidFill>
+                <a:srgbClr val="1F1F1F"/>
+              </a:solidFill>
+              <a:latin typeface="微软雅黑"/>
+              <a:ea typeface="微软雅黑"/>
+              <a:cs typeface="微软雅黑"/>
+            </a:endParaRPr>
+          </a:p>
+        </p:txBody>
+      </p:sp>
+      <p:sp>
+        <p:nvSpPr>
+          <p:cNvPr id="93" name="矩形 92"/>
+          <p:cNvSpPr/>
+          <p:nvPr/>
+        </p:nvSpPr>
+        <p:spPr>
+          <a:xfrm>
+            <a:off x="493530" y="292590"/>
+            <a:ext cx="660901" cy="632007"/>
+          </a:xfrm>
+          <a:prstGeom prst="rect">
+            <a:avLst/>
+          </a:prstGeom>
+          <a:noFill/>
+          <a:ln>
+            <a:solidFill>
+              <a:srgbClr val="1F1F1F"/>
+            </a:solidFill>
+          </a:ln>
+          <a:effectLst/>
+        </p:spPr>
+        <p:style>
+          <a:lnRef idx="1">
+            <a:schemeClr val="accent1"/>
+          </a:lnRef>
+          <a:fillRef idx="3">
+            <a:schemeClr val="accent1"/>
+          </a:fillRef>
+          <a:effectRef idx="2">
+            <a:schemeClr val="accent1"/>
+          </a:effectRef>
+          <a:fontRef idx="minor">
+            <a:schemeClr val="lt1"/>
+          </a:fontRef>
+        </p:style>
+        <p:txBody>
+          <a:bodyPr lIns="121899" tIns="60949" rIns="121899" bIns="60949" rtlCol="0" anchor="ctr"/>
+          <a:lstStyle/>
+          <a:p>
+            <a:pPr algn="ctr"/>
+            <a:r>
+              <a:rPr kumimoji="1" lang="en-US" altLang="zh-CN" sz="1333" b="1" dirty="0">
+                <a:solidFill>
+                  <a:srgbClr val="1F1F1F"/>
+                </a:solidFill>
+                <a:latin typeface="Calibri"/>
+                <a:ea typeface="宋体"/>
+              </a:rPr>
+              <a:t>2</a:t>
+            </a:r>
+            <a:endParaRPr kumimoji="1" lang="zh-CN" altLang="en-US" sz="1333" b="1" dirty="0">
+              <a:solidFill>
+                <a:srgbClr val="1F1F1F"/>
+              </a:solidFill>
+              <a:latin typeface="Calibri"/>
+              <a:ea typeface="宋体"/>
+            </a:endParaRPr>
+          </a:p>
+        </p:txBody>
+      </p:sp>
+      <p:sp>
+        <p:nvSpPr>
+          <p:cNvPr id="2" name="TextBox 1">
+            <a:extLst>
+              <a:ext uri="{FF2B5EF4-FFF2-40B4-BE49-F238E27FC236}">
+                <a16:creationId xmlns:a16="http://schemas.microsoft.com/office/drawing/2014/main" id="{BA43CD7C-EFB7-4205-869F-C79184C14622}"/>
+              </a:ext>
+            </a:extLst>
+          </p:cNvPr>
+          <p:cNvSpPr txBox="1"/>
+          <p:nvPr/>
+        </p:nvSpPr>
+        <p:spPr>
+          <a:xfrm>
+            <a:off x="905347" y="1439501"/>
+            <a:ext cx="10062370" cy="6001643"/>
+          </a:xfrm>
+          <a:prstGeom prst="rect">
+            <a:avLst/>
+          </a:prstGeom>
+          <a:noFill/>
+        </p:spPr>
+        <p:txBody>
+          <a:bodyPr wrap="none" rtlCol="0">
+            <a:spAutoFit/>
+          </a:bodyPr>
+          <a:lstStyle/>
+          <a:p>
+            <a:pPr marL="342900" indent="-342900">
+              <a:buFont typeface="Arial" panose="020B0604020202020204" pitchFamily="34" charset="0"/>
+              <a:buChar char="•"/>
+            </a:pPr>
+            <a:r>
+              <a:rPr lang="zh-CN" altLang="en-US" dirty="0"/>
+              <a:t>步骤</a:t>
+            </a:r>
+            <a:endParaRPr lang="en-US" altLang="zh-CN" dirty="0"/>
+          </a:p>
+          <a:p>
+            <a:pPr marL="952530" lvl="1" indent="-342900">
+              <a:buFont typeface="Arial" panose="020B0604020202020204" pitchFamily="34" charset="0"/>
+              <a:buChar char="•"/>
+            </a:pPr>
+            <a:r>
+              <a:rPr lang="zh-CN" altLang="en-US" dirty="0"/>
+              <a:t>向</a:t>
+            </a:r>
+            <a:r>
+              <a:rPr lang="en-US" altLang="zh-CN" dirty="0"/>
+              <a:t>DNS</a:t>
+            </a:r>
+            <a:r>
+              <a:rPr lang="zh-CN" altLang="en-US" dirty="0"/>
+              <a:t>服务器中添加</a:t>
+            </a:r>
+            <a:r>
+              <a:rPr lang="en-US" altLang="zh-CN" dirty="0"/>
+              <a:t>DNS</a:t>
+            </a:r>
+            <a:r>
+              <a:rPr lang="zh-CN" altLang="en-US" dirty="0"/>
+              <a:t>记录</a:t>
+            </a:r>
+            <a:endParaRPr lang="en-US" altLang="zh-CN" dirty="0"/>
+          </a:p>
+          <a:p>
+            <a:pPr marL="1562161" lvl="2" indent="-342900">
+              <a:buFont typeface="Arial" panose="020B0604020202020204" pitchFamily="34" charset="0"/>
+              <a:buChar char="•"/>
+            </a:pPr>
+            <a:r>
+              <a:rPr lang="zh-CN" altLang="en-US" dirty="0"/>
+              <a:t>获得一个域名将有权限向</a:t>
+            </a:r>
+            <a:r>
+              <a:rPr lang="en-US" altLang="zh-CN" dirty="0"/>
+              <a:t>DNS</a:t>
+            </a:r>
+            <a:r>
+              <a:rPr lang="zh-CN" altLang="en-US" dirty="0"/>
+              <a:t>服务器中添加子域名的</a:t>
+            </a:r>
+            <a:r>
+              <a:rPr lang="en-US" altLang="zh-CN" dirty="0"/>
+              <a:t>DNS</a:t>
+            </a:r>
+            <a:r>
+              <a:rPr lang="zh-CN" altLang="en-US" dirty="0"/>
+              <a:t>记录</a:t>
+            </a:r>
+            <a:endParaRPr lang="en-US" altLang="zh-CN" dirty="0"/>
+          </a:p>
+          <a:p>
+            <a:pPr marL="1562161" lvl="2" indent="-342900">
+              <a:buFont typeface="Arial" panose="020B0604020202020204" pitchFamily="34" charset="0"/>
+              <a:buChar char="•"/>
+            </a:pPr>
+            <a:r>
+              <a:rPr lang="zh-CN" altLang="en-US" dirty="0"/>
+              <a:t>申请域名</a:t>
+            </a:r>
+            <a:r>
+              <a:rPr lang="en-US" altLang="zh-CN" dirty="0" err="1"/>
+              <a:t>sjy.top</a:t>
+            </a:r>
+            <a:r>
+              <a:rPr lang="zh-CN" altLang="en-US" dirty="0"/>
+              <a:t>，添加</a:t>
+            </a:r>
+            <a:r>
+              <a:rPr lang="en-US" altLang="zh-CN" dirty="0"/>
+              <a:t>DNS</a:t>
+            </a:r>
+            <a:r>
+              <a:rPr lang="zh-CN" altLang="en-US" dirty="0"/>
+              <a:t>记录</a:t>
+            </a:r>
+            <a:endParaRPr lang="en-US" altLang="zh-CN" dirty="0"/>
+          </a:p>
+          <a:p>
+            <a:pPr marL="1562161" lvl="2" indent="-342900">
+              <a:buFont typeface="Arial" panose="020B0604020202020204" pitchFamily="34" charset="0"/>
+              <a:buChar char="•"/>
+            </a:pPr>
+            <a:endParaRPr lang="en-US" altLang="zh-CN" dirty="0"/>
+          </a:p>
+          <a:p>
+            <a:pPr marL="342900" indent="-342900">
+              <a:buFont typeface="Arial" panose="020B0604020202020204" pitchFamily="34" charset="0"/>
+              <a:buChar char="•"/>
+            </a:pPr>
+            <a:endParaRPr lang="en-US" altLang="zh-CN" dirty="0"/>
+          </a:p>
+          <a:p>
+            <a:pPr marL="342900" indent="-342900">
+              <a:buFont typeface="Arial" panose="020B0604020202020204" pitchFamily="34" charset="0"/>
+              <a:buChar char="•"/>
+            </a:pPr>
+            <a:endParaRPr lang="en-US" altLang="zh-CN" dirty="0"/>
+          </a:p>
+          <a:p>
+            <a:pPr marL="2171791" lvl="3" indent="-342900">
+              <a:buFont typeface="Arial" panose="020B0604020202020204" pitchFamily="34" charset="0"/>
+              <a:buChar char="•"/>
+            </a:pPr>
+            <a:r>
+              <a:rPr lang="en-US" altLang="zh-CN" dirty="0"/>
+              <a:t>NS</a:t>
+            </a:r>
+            <a:r>
+              <a:rPr lang="zh-CN" altLang="en-US" dirty="0"/>
+              <a:t>类记录了该域内的域名查询的</a:t>
+            </a:r>
+            <a:r>
+              <a:rPr lang="en-US" altLang="zh-CN" dirty="0"/>
+              <a:t>DNS</a:t>
+            </a:r>
+            <a:r>
+              <a:rPr lang="zh-CN" altLang="en-US" dirty="0"/>
+              <a:t>服务器</a:t>
+            </a:r>
+            <a:endParaRPr lang="en-US" altLang="zh-CN" dirty="0"/>
+          </a:p>
+          <a:p>
+            <a:pPr marL="2171791" lvl="3" indent="-342900">
+              <a:buFont typeface="Arial" panose="020B0604020202020204" pitchFamily="34" charset="0"/>
+              <a:buChar char="•"/>
+            </a:pPr>
+            <a:r>
+              <a:rPr lang="en-US" altLang="zh-CN" dirty="0"/>
+              <a:t>A</a:t>
+            </a:r>
+            <a:r>
+              <a:rPr lang="zh-CN" altLang="en-US" dirty="0"/>
+              <a:t>类记录了域名对应的服务器</a:t>
+            </a:r>
+            <a:r>
+              <a:rPr lang="en-US" altLang="zh-CN" dirty="0"/>
+              <a:t>IP</a:t>
+            </a:r>
+            <a:r>
+              <a:rPr lang="zh-CN" altLang="en-US" dirty="0"/>
+              <a:t>地址</a:t>
+            </a:r>
+            <a:endParaRPr lang="en-US" altLang="zh-CN" dirty="0"/>
+          </a:p>
+          <a:p>
+            <a:pPr marL="952530" lvl="1" indent="-342900">
+              <a:buFont typeface="Arial" panose="020B0604020202020204" pitchFamily="34" charset="0"/>
+              <a:buChar char="•"/>
+            </a:pPr>
+            <a:endParaRPr lang="en-US" altLang="zh-CN" dirty="0"/>
+          </a:p>
+          <a:p>
+            <a:pPr marL="952530" lvl="1" indent="-342900">
+              <a:buFont typeface="Arial" panose="020B0604020202020204" pitchFamily="34" charset="0"/>
+              <a:buChar char="•"/>
+            </a:pPr>
+            <a:r>
+              <a:rPr lang="zh-CN" altLang="en-US" dirty="0"/>
+              <a:t>配置服务器</a:t>
+            </a:r>
+            <a:endParaRPr lang="en-US" altLang="zh-CN" dirty="0"/>
+          </a:p>
+          <a:p>
+            <a:pPr marL="1562161" lvl="2" indent="-342900">
+              <a:buFont typeface="Arial" panose="020B0604020202020204" pitchFamily="34" charset="0"/>
+              <a:buChar char="•"/>
+            </a:pPr>
+            <a:r>
+              <a:rPr lang="zh-CN" altLang="en-US" dirty="0"/>
+              <a:t>安装</a:t>
+            </a:r>
+            <a:r>
+              <a:rPr lang="en-US" altLang="zh-CN" dirty="0"/>
+              <a:t>dns2tcp</a:t>
+            </a:r>
+            <a:r>
+              <a:rPr lang="zh-CN" altLang="en-US" dirty="0"/>
+              <a:t>，配置并启动</a:t>
+            </a:r>
+            <a:endParaRPr lang="en-US" altLang="zh-CN" dirty="0"/>
+          </a:p>
+          <a:p>
+            <a:pPr marL="2171791" lvl="3" indent="-342900">
+              <a:buFont typeface="Arial" panose="020B0604020202020204" pitchFamily="34" charset="0"/>
+              <a:buChar char="•"/>
+            </a:pPr>
+            <a:r>
+              <a:rPr lang="en-US" altLang="zh-CN" sz="1600" dirty="0"/>
+              <a:t>dns2tcpd -f /</a:t>
+            </a:r>
+            <a:r>
+              <a:rPr lang="en-US" altLang="zh-CN" sz="1600" dirty="0" err="1"/>
+              <a:t>etc</a:t>
+            </a:r>
+            <a:r>
+              <a:rPr lang="en-US" altLang="zh-CN" sz="1600" dirty="0"/>
+              <a:t>/dns2tcpd.conf -F -d 2</a:t>
+            </a:r>
+          </a:p>
+          <a:p>
+            <a:pPr marL="952530" lvl="1" indent="-342900">
+              <a:buFont typeface="Arial" panose="020B0604020202020204" pitchFamily="34" charset="0"/>
+              <a:buChar char="•"/>
+            </a:pPr>
+            <a:r>
+              <a:rPr lang="zh-CN" altLang="en-US" dirty="0"/>
+              <a:t>配置客户机 安装并启动</a:t>
+            </a:r>
+            <a:endParaRPr lang="en-US" altLang="zh-CN" dirty="0"/>
+          </a:p>
+          <a:p>
+            <a:pPr marL="1562161" lvl="2" indent="-342900">
+              <a:buFont typeface="Arial" panose="020B0604020202020204" pitchFamily="34" charset="0"/>
+              <a:buChar char="•"/>
+            </a:pPr>
+            <a:r>
+              <a:rPr lang="en-US" altLang="zh-CN" sz="1600" dirty="0"/>
+              <a:t>dns2tcpc -r </a:t>
+            </a:r>
+            <a:r>
+              <a:rPr lang="en-US" altLang="zh-CN" sz="1600" dirty="0" err="1"/>
+              <a:t>ssh</a:t>
+            </a:r>
+            <a:r>
+              <a:rPr lang="en-US" altLang="zh-CN" sz="1600" dirty="0"/>
+              <a:t> -z </a:t>
+            </a:r>
+            <a:r>
+              <a:rPr lang="en-US" altLang="zh-CN" sz="1600" dirty="0" err="1"/>
+              <a:t>a.shijy.top</a:t>
+            </a:r>
+            <a:r>
+              <a:rPr lang="en-US" altLang="zh-CN" sz="1600" dirty="0"/>
+              <a:t> -l 8888 -d 1</a:t>
+            </a:r>
+          </a:p>
+          <a:p>
+            <a:pPr marL="342900" indent="-342900">
+              <a:buFont typeface="Arial" panose="020B0604020202020204" pitchFamily="34" charset="0"/>
+              <a:buChar char="•"/>
+            </a:pPr>
+            <a:endParaRPr lang="en-US" altLang="zh-CN" sz="1600" dirty="0"/>
+          </a:p>
+          <a:p>
+            <a:pPr marL="342900" indent="-342900">
+              <a:buFont typeface="Arial" panose="020B0604020202020204" pitchFamily="34" charset="0"/>
+              <a:buChar char="•"/>
+            </a:pPr>
+            <a:endParaRPr lang="en-US" altLang="zh-CN" dirty="0"/>
+          </a:p>
+        </p:txBody>
+      </p:sp>
+      <p:pic>
+        <p:nvPicPr>
+          <p:cNvPr id="3" name="Picture 2">
+            <a:extLst>
+              <a:ext uri="{FF2B5EF4-FFF2-40B4-BE49-F238E27FC236}">
+                <a16:creationId xmlns:a16="http://schemas.microsoft.com/office/drawing/2014/main" id="{BE6717F9-B841-427F-9692-4BCAE9A7F847}"/>
+              </a:ext>
+            </a:extLst>
+          </p:cNvPr>
+          <p:cNvPicPr>
+            <a:picLocks noChangeAspect="1"/>
+          </p:cNvPicPr>
+          <p:nvPr/>
+        </p:nvPicPr>
+        <p:blipFill>
+          <a:blip r:embed="rId3"/>
+          <a:stretch>
+            <a:fillRect/>
+          </a:stretch>
+        </p:blipFill>
+        <p:spPr>
+          <a:xfrm>
+            <a:off x="2831770" y="2938524"/>
+            <a:ext cx="6209524" cy="980952"/>
+          </a:xfrm>
+          <a:prstGeom prst="rect">
+            <a:avLst/>
+          </a:prstGeom>
+        </p:spPr>
+      </p:pic>
+      <p:pic>
+        <p:nvPicPr>
+          <p:cNvPr id="4" name="Picture 3">
+            <a:extLst>
+              <a:ext uri="{FF2B5EF4-FFF2-40B4-BE49-F238E27FC236}">
+                <a16:creationId xmlns:a16="http://schemas.microsoft.com/office/drawing/2014/main" id="{10847919-EEB3-483D-A817-F5BBA39805A6}"/>
+              </a:ext>
+            </a:extLst>
+          </p:cNvPr>
+          <p:cNvPicPr>
+            <a:picLocks noChangeAspect="1"/>
+          </p:cNvPicPr>
+          <p:nvPr/>
+        </p:nvPicPr>
+        <p:blipFill>
+          <a:blip r:embed="rId4"/>
+          <a:stretch>
+            <a:fillRect/>
+          </a:stretch>
+        </p:blipFill>
+        <p:spPr>
+          <a:xfrm>
+            <a:off x="6419378" y="4814904"/>
+            <a:ext cx="4868863" cy="1081093"/>
+          </a:xfrm>
+          <a:prstGeom prst="rect">
+            <a:avLst/>
+          </a:prstGeom>
+        </p:spPr>
+      </p:pic>
+    </p:spTree>
+    <p:extLst>
+      <p:ext uri="{BB962C8B-B14F-4D97-AF65-F5344CB8AC3E}">
+        <p14:creationId xmlns:p14="http://schemas.microsoft.com/office/powerpoint/2010/main" val="3140438120"/>
+      </p:ext>
+    </p:extLst>
+  </p:cSld>
+  <p:clrMapOvr>
+    <a:masterClrMapping/>
+  </p:clrMapOvr>
+  <mc:AlternateContent xmlns:mc="http://schemas.openxmlformats.org/markup-compatibility/2006" xmlns:p14="http://schemas.microsoft.com/office/powerpoint/2010/main">
+    <mc:Choice Requires="p14">
+      <p:transition spd="med" p14:dur="700">
+        <p:fade/>
+      </p:transition>
+    </mc:Choice>
+    <mc:Fallback xmlns="">
+      <p:transition spd="med">
+        <p:fade/>
+      </p:transition>
+    </mc:Fallback>
+  </mc:AlternateContent>
+</p:sld>
+</file>
+
+<file path=ppt/slides/slide12.xml><?xml version="1.0" encoding="utf-8"?>
 <p:sld xmlns:a="http://schemas.openxmlformats.org/drawingml/2006/main" xmlns:r="http://schemas.openxmlformats.org/officeDocument/2006/relationships" xmlns:p="http://schemas.openxmlformats.org/presentationml/2006/main">
   <p:cSld>
     <p:spTree>
@@ -8289,7 +8992,7 @@
 </p:sld>
 </file>
 
-<file path=ppt/slides/slide12.xml><?xml version="1.0" encoding="utf-8"?>
+<file path=ppt/slides/slide13.xml><?xml version="1.0" encoding="utf-8"?>
 <p:sld xmlns:a="http://schemas.openxmlformats.org/drawingml/2006/main" xmlns:r="http://schemas.openxmlformats.org/officeDocument/2006/relationships" xmlns:p="http://schemas.openxmlformats.org/presentationml/2006/main">
   <p:cSld>
     <p:spTree>
@@ -8597,7 +9300,7 @@
         <p:spPr>
           <a:xfrm>
             <a:off x="905347" y="1439501"/>
-            <a:ext cx="5455340" cy="2677656"/>
+            <a:ext cx="5455340" cy="1938992"/>
           </a:xfrm>
           <a:prstGeom prst="rect">
             <a:avLst/>
@@ -8658,32 +9361,6 @@
               <a:rPr lang="zh-CN" altLang="en-US" dirty="0"/>
               <a:t>防火墙设置严格的校验方式。</a:t>
             </a:r>
-            <a:endParaRPr lang="en-US" altLang="zh-CN" dirty="0"/>
-          </a:p>
-          <a:p>
-            <a:pPr marL="952530" lvl="1" indent="-342900">
-              <a:buFont typeface="Arial" panose="020B0604020202020204" pitchFamily="34" charset="0"/>
-              <a:buChar char="•"/>
-            </a:pPr>
-            <a:r>
-              <a:rPr lang="zh-CN" altLang="en-US" dirty="0"/>
-              <a:t>禁用非权威</a:t>
-            </a:r>
-            <a:r>
-              <a:rPr lang="en-US" altLang="zh-CN" dirty="0" err="1"/>
-              <a:t>dns</a:t>
-            </a:r>
-            <a:r>
-              <a:rPr lang="zh-CN" altLang="en-US" dirty="0"/>
-              <a:t>服务器。</a:t>
-            </a:r>
-            <a:endParaRPr lang="en-US" altLang="zh-CN" dirty="0"/>
-          </a:p>
-          <a:p>
-            <a:pPr marL="342900" indent="-342900">
-              <a:buFont typeface="Arial" panose="020B0604020202020204" pitchFamily="34" charset="0"/>
-              <a:buChar char="•"/>
-            </a:pPr>
             <a:endParaRPr lang="en-US" altLang="zh-CN" dirty="0"/>
           </a:p>
         </p:txBody>
@@ -8713,7 +9390,7 @@
 </p:sld>
 </file>
 
-<file path=ppt/slides/slide13.xml><?xml version="1.0" encoding="utf-8"?>
+<file path=ppt/slides/slide14.xml><?xml version="1.0" encoding="utf-8"?>
 <p:sld xmlns:a="http://schemas.openxmlformats.org/drawingml/2006/main" xmlns:r="http://schemas.openxmlformats.org/officeDocument/2006/relationships" xmlns:p="http://schemas.openxmlformats.org/presentationml/2006/main">
   <p:cSld>
     <p:spTree>
@@ -8950,7 +9627,7 @@
         <p:spPr>
           <a:xfrm>
             <a:off x="3373515" y="2166152"/>
-            <a:ext cx="4530407" cy="3170099"/>
+            <a:ext cx="4530407" cy="1938992"/>
           </a:xfrm>
           <a:prstGeom prst="rect">
             <a:avLst/>
@@ -8994,19 +9671,6 @@
               <a:t>隧道</a:t>
             </a:r>
             <a:endParaRPr lang="en-US" altLang="zh-CN" sz="4000" dirty="0"/>
-          </a:p>
-          <a:p>
-            <a:endParaRPr lang="en-US" altLang="zh-CN" sz="4000" dirty="0"/>
-          </a:p>
-          <a:p>
-            <a:r>
-              <a:rPr lang="zh-CN" altLang="en-US" sz="4000" strike="sngStrike" dirty="0"/>
-              <a:t>三、</a:t>
-            </a:r>
-            <a:r>
-              <a:rPr lang="en-US" altLang="zh-CN" sz="4000" strike="sngStrike" dirty="0"/>
-              <a:t>Hack</a:t>
-            </a:r>
           </a:p>
         </p:txBody>
       </p:sp>
@@ -12302,362 +12966,967 @@
       </p:sp>
       <p:sp>
         <p:nvSpPr>
-          <p:cNvPr id="2" name="TextBox 1">
+          <p:cNvPr id="7" name="矩形 18">
             <a:extLst>
               <a:ext uri="{FF2B5EF4-FFF2-40B4-BE49-F238E27FC236}">
-                <a16:creationId xmlns:a16="http://schemas.microsoft.com/office/drawing/2014/main" id="{BA43CD7C-EFB7-4205-869F-C79184C14622}"/>
+                <a16:creationId xmlns:a16="http://schemas.microsoft.com/office/drawing/2014/main" id="{ABF4F18D-D8D7-46E5-8782-7CEE32CCDE1D}"/>
               </a:ext>
             </a:extLst>
           </p:cNvPr>
-          <p:cNvSpPr txBox="1"/>
+          <p:cNvSpPr/>
           <p:nvPr/>
         </p:nvSpPr>
         <p:spPr>
           <a:xfrm>
-            <a:off x="905347" y="1439501"/>
-            <a:ext cx="10062370" cy="6001643"/>
+            <a:off x="938469" y="1374073"/>
+            <a:ext cx="1795206" cy="896634"/>
           </a:xfrm>
           <a:prstGeom prst="rect">
             <a:avLst/>
           </a:prstGeom>
-          <a:noFill/>
+          <a:ln w="12700" cmpd="sng">
+            <a:solidFill>
+              <a:srgbClr val="414141"/>
+            </a:solidFill>
+          </a:ln>
         </p:spPr>
         <p:txBody>
-          <a:bodyPr wrap="none" rtlCol="0">
+          <a:bodyPr wrap="square" lIns="121899" tIns="60949" rIns="121899" bIns="60949">
             <a:spAutoFit/>
           </a:bodyPr>
           <a:lstStyle/>
           <a:p>
-            <a:pPr marL="342900" indent="-342900">
-              <a:buFont typeface="Arial" panose="020B0604020202020204" pitchFamily="34" charset="0"/>
-              <a:buChar char="•"/>
-            </a:pPr>
-            <a:r>
-              <a:rPr lang="zh-CN" altLang="en-US" dirty="0"/>
-              <a:t>步骤</a:t>
-            </a:r>
-            <a:endParaRPr lang="en-US" altLang="zh-CN" dirty="0"/>
-          </a:p>
-          <a:p>
-            <a:pPr marL="952530" lvl="1" indent="-342900">
-              <a:buFont typeface="Arial" panose="020B0604020202020204" pitchFamily="34" charset="0"/>
-              <a:buChar char="•"/>
-            </a:pPr>
-            <a:r>
-              <a:rPr lang="zh-CN" altLang="en-US" dirty="0"/>
-              <a:t>向</a:t>
-            </a:r>
-            <a:r>
-              <a:rPr lang="en-US" altLang="zh-CN" dirty="0"/>
-              <a:t>DNS</a:t>
-            </a:r>
-            <a:r>
-              <a:rPr lang="zh-CN" altLang="en-US" dirty="0"/>
-              <a:t>服务器中添加</a:t>
-            </a:r>
-            <a:r>
-              <a:rPr lang="en-US" altLang="zh-CN" dirty="0"/>
-              <a:t>DNS</a:t>
-            </a:r>
-            <a:r>
-              <a:rPr lang="zh-CN" altLang="en-US" dirty="0"/>
-              <a:t>记录</a:t>
-            </a:r>
-            <a:endParaRPr lang="en-US" altLang="zh-CN" dirty="0"/>
-          </a:p>
-          <a:p>
-            <a:pPr marL="1562161" lvl="2" indent="-342900">
-              <a:buFont typeface="Arial" panose="020B0604020202020204" pitchFamily="34" charset="0"/>
-              <a:buChar char="•"/>
-            </a:pPr>
-            <a:r>
-              <a:rPr lang="zh-CN" altLang="en-US" dirty="0"/>
-              <a:t>获得一个域名将有权限向</a:t>
-            </a:r>
-            <a:r>
-              <a:rPr lang="en-US" altLang="zh-CN" dirty="0"/>
-              <a:t>DNS</a:t>
-            </a:r>
-            <a:r>
-              <a:rPr lang="zh-CN" altLang="en-US" dirty="0"/>
-              <a:t>服务器中添加子域名的</a:t>
-            </a:r>
-            <a:r>
-              <a:rPr lang="en-US" altLang="zh-CN" dirty="0"/>
-              <a:t>DNS</a:t>
-            </a:r>
-            <a:r>
-              <a:rPr lang="zh-CN" altLang="en-US" dirty="0"/>
-              <a:t>记录</a:t>
-            </a:r>
-            <a:endParaRPr lang="en-US" altLang="zh-CN" dirty="0"/>
-          </a:p>
-          <a:p>
-            <a:pPr marL="1562161" lvl="2" indent="-342900">
-              <a:buFont typeface="Arial" panose="020B0604020202020204" pitchFamily="34" charset="0"/>
-              <a:buChar char="•"/>
-            </a:pPr>
-            <a:r>
-              <a:rPr lang="zh-CN" altLang="en-US" dirty="0"/>
-              <a:t>申请域名</a:t>
-            </a:r>
-            <a:r>
-              <a:rPr lang="en-US" altLang="zh-CN" dirty="0" err="1"/>
-              <a:t>sjy.top</a:t>
-            </a:r>
-            <a:r>
-              <a:rPr lang="zh-CN" altLang="en-US" dirty="0"/>
-              <a:t>，添加</a:t>
-            </a:r>
-            <a:r>
-              <a:rPr lang="en-US" altLang="zh-CN" dirty="0"/>
-              <a:t>DNS</a:t>
-            </a:r>
-            <a:r>
-              <a:rPr lang="zh-CN" altLang="en-US" dirty="0"/>
-              <a:t>记录</a:t>
-            </a:r>
-            <a:endParaRPr lang="en-US" altLang="zh-CN" dirty="0"/>
-          </a:p>
-          <a:p>
-            <a:pPr marL="1562161" lvl="2" indent="-342900">
-              <a:buFont typeface="Arial" panose="020B0604020202020204" pitchFamily="34" charset="0"/>
-              <a:buChar char="•"/>
-            </a:pPr>
-            <a:endParaRPr lang="en-US" altLang="zh-CN" dirty="0"/>
-          </a:p>
-          <a:p>
-            <a:pPr marL="342900" indent="-342900">
-              <a:buFont typeface="Arial" panose="020B0604020202020204" pitchFamily="34" charset="0"/>
-              <a:buChar char="•"/>
-            </a:pPr>
-            <a:endParaRPr lang="en-US" altLang="zh-CN" dirty="0"/>
-          </a:p>
-          <a:p>
-            <a:pPr marL="342900" indent="-342900">
-              <a:buFont typeface="Arial" panose="020B0604020202020204" pitchFamily="34" charset="0"/>
-              <a:buChar char="•"/>
-            </a:pPr>
-            <a:endParaRPr lang="en-US" altLang="zh-CN" dirty="0"/>
-          </a:p>
-          <a:p>
-            <a:pPr marL="2171791" lvl="3" indent="-342900">
-              <a:buFont typeface="Arial" panose="020B0604020202020204" pitchFamily="34" charset="0"/>
-              <a:buChar char="•"/>
-            </a:pPr>
-            <a:r>
-              <a:rPr lang="en-US" altLang="zh-CN" dirty="0"/>
-              <a:t>NS</a:t>
-            </a:r>
-            <a:r>
-              <a:rPr lang="zh-CN" altLang="en-US" dirty="0"/>
-              <a:t>类记录了该域内的域名查询的</a:t>
-            </a:r>
-            <a:r>
-              <a:rPr lang="en-US" altLang="zh-CN" dirty="0"/>
-              <a:t>DNS</a:t>
-            </a:r>
-            <a:r>
-              <a:rPr lang="zh-CN" altLang="en-US" dirty="0"/>
-              <a:t>服务器</a:t>
-            </a:r>
-            <a:endParaRPr lang="en-US" altLang="zh-CN" dirty="0"/>
-          </a:p>
-          <a:p>
-            <a:pPr marL="2171791" lvl="3" indent="-342900">
-              <a:buFont typeface="Arial" panose="020B0604020202020204" pitchFamily="34" charset="0"/>
-              <a:buChar char="•"/>
-            </a:pPr>
-            <a:r>
-              <a:rPr lang="en-US" altLang="zh-CN" dirty="0"/>
-              <a:t>A</a:t>
-            </a:r>
-            <a:r>
-              <a:rPr lang="zh-CN" altLang="en-US" dirty="0"/>
-              <a:t>类记录了域名对应的服务器</a:t>
-            </a:r>
-            <a:r>
-              <a:rPr lang="en-US" altLang="zh-CN" dirty="0"/>
-              <a:t>IP</a:t>
-            </a:r>
-            <a:r>
-              <a:rPr lang="zh-CN" altLang="en-US" dirty="0"/>
-              <a:t>地址</a:t>
-            </a:r>
-            <a:endParaRPr lang="en-US" altLang="zh-CN" dirty="0"/>
-          </a:p>
-          <a:p>
-            <a:pPr marL="952530" lvl="1" indent="-342900">
-              <a:buFont typeface="Arial" panose="020B0604020202020204" pitchFamily="34" charset="0"/>
-              <a:buChar char="•"/>
-            </a:pPr>
-            <a:endParaRPr lang="en-US" altLang="zh-CN" dirty="0"/>
-          </a:p>
-          <a:p>
-            <a:pPr marL="952530" lvl="1" indent="-342900">
-              <a:buFont typeface="Arial" panose="020B0604020202020204" pitchFamily="34" charset="0"/>
-              <a:buChar char="•"/>
-            </a:pPr>
-            <a:r>
-              <a:rPr lang="zh-CN" altLang="en-US" dirty="0"/>
-              <a:t>配置服务器</a:t>
-            </a:r>
-            <a:endParaRPr lang="en-US" altLang="zh-CN" dirty="0"/>
-          </a:p>
-          <a:p>
-            <a:pPr marL="1562161" lvl="2" indent="-342900">
-              <a:buFont typeface="Arial" panose="020B0604020202020204" pitchFamily="34" charset="0"/>
-              <a:buChar char="•"/>
-            </a:pPr>
-            <a:r>
-              <a:rPr lang="zh-CN" altLang="en-US" dirty="0"/>
-              <a:t>安装</a:t>
-            </a:r>
-            <a:r>
-              <a:rPr lang="en-US" altLang="zh-CN" dirty="0"/>
-              <a:t>dns2tcp</a:t>
-            </a:r>
-            <a:r>
-              <a:rPr lang="zh-CN" altLang="en-US" dirty="0"/>
-              <a:t>，配置并启动</a:t>
-            </a:r>
-            <a:endParaRPr lang="en-US" altLang="zh-CN" dirty="0"/>
-          </a:p>
-          <a:p>
-            <a:pPr marL="2171791" lvl="3" indent="-342900">
-              <a:buFont typeface="Arial" panose="020B0604020202020204" pitchFamily="34" charset="0"/>
-              <a:buChar char="•"/>
-            </a:pPr>
-            <a:r>
-              <a:rPr lang="en-US" altLang="zh-CN" sz="1600" dirty="0"/>
-              <a:t>dns2tcpd -f /</a:t>
-            </a:r>
-            <a:r>
-              <a:rPr lang="en-US" altLang="zh-CN" sz="1600" dirty="0" err="1"/>
-              <a:t>etc</a:t>
-            </a:r>
-            <a:r>
-              <a:rPr lang="en-US" altLang="zh-CN" sz="1600" dirty="0"/>
-              <a:t>/dns2tcpd.conf -F -d 2</a:t>
-            </a:r>
-          </a:p>
-          <a:p>
-            <a:pPr marL="952530" lvl="1" indent="-342900">
-              <a:buFont typeface="Arial" panose="020B0604020202020204" pitchFamily="34" charset="0"/>
-              <a:buChar char="•"/>
-            </a:pPr>
-            <a:r>
-              <a:rPr lang="zh-CN" altLang="en-US" dirty="0"/>
-              <a:t>配置客户机 安装并启动</a:t>
-            </a:r>
-            <a:endParaRPr lang="en-US" altLang="zh-CN" dirty="0"/>
-          </a:p>
-          <a:p>
-            <a:pPr marL="1562161" lvl="2" indent="-342900">
-              <a:buFont typeface="Arial" panose="020B0604020202020204" pitchFamily="34" charset="0"/>
-              <a:buChar char="•"/>
-            </a:pPr>
-            <a:r>
-              <a:rPr lang="en-US" altLang="zh-CN" sz="1600" dirty="0"/>
-              <a:t>dns2tcpc -r </a:t>
-            </a:r>
-            <a:r>
-              <a:rPr lang="en-US" altLang="zh-CN" sz="1600" dirty="0" err="1"/>
-              <a:t>ssh</a:t>
-            </a:r>
-            <a:r>
-              <a:rPr lang="en-US" altLang="zh-CN" sz="1600" dirty="0"/>
-              <a:t> -z </a:t>
-            </a:r>
-            <a:r>
-              <a:rPr lang="en-US" altLang="zh-CN" sz="1600" dirty="0" err="1"/>
-              <a:t>a.shijy.top</a:t>
-            </a:r>
-            <a:r>
-              <a:rPr lang="en-US" altLang="zh-CN" sz="1600" dirty="0"/>
-              <a:t> -l 8888 -d 1</a:t>
-            </a:r>
-          </a:p>
-          <a:p>
-            <a:pPr marL="342900" indent="-342900">
-              <a:buFont typeface="Arial" panose="020B0604020202020204" pitchFamily="34" charset="0"/>
-              <a:buChar char="•"/>
-            </a:pPr>
-            <a:endParaRPr lang="en-US" altLang="zh-CN" sz="1600" dirty="0"/>
-          </a:p>
-          <a:p>
-            <a:pPr marL="342900" indent="-342900">
-              <a:buFont typeface="Arial" panose="020B0604020202020204" pitchFamily="34" charset="0"/>
-              <a:buChar char="•"/>
-            </a:pPr>
-            <a:endParaRPr lang="en-US" altLang="zh-CN" dirty="0"/>
+            <a:pPr algn="ctr" defTabSz="609459">
+              <a:lnSpc>
+                <a:spcPct val="130000"/>
+              </a:lnSpc>
+            </a:pPr>
+            <a:r>
+              <a:rPr kumimoji="1" lang="zh-CN" altLang="en-US" sz="1333" dirty="0">
+                <a:solidFill>
+                  <a:prstClr val="black">
+                    <a:lumMod val="75000"/>
+                    <a:lumOff val="25000"/>
+                  </a:prstClr>
+                </a:solidFill>
+                <a:latin typeface="Century Gothic"/>
+                <a:ea typeface="微软雅黑"/>
+                <a:cs typeface="微软雅黑"/>
+              </a:rPr>
+              <a:t>客户机产生上网数据包，通过代理发送给隧道客户端</a:t>
+            </a:r>
+            <a:endParaRPr kumimoji="1" lang="zh-CN" altLang="en-US" sz="1333" dirty="0">
+              <a:solidFill>
+                <a:prstClr val="black">
+                  <a:lumMod val="75000"/>
+                  <a:lumOff val="25000"/>
+                </a:prstClr>
+              </a:solidFill>
+              <a:cs typeface="微软雅黑"/>
+            </a:endParaRPr>
           </a:p>
         </p:txBody>
       </p:sp>
-      <p:pic>
-        <p:nvPicPr>
-          <p:cNvPr id="3" name="Picture 2">
+      <p:cxnSp>
+        <p:nvCxnSpPr>
+          <p:cNvPr id="8" name="直线箭头连接符 13">
             <a:extLst>
               <a:ext uri="{FF2B5EF4-FFF2-40B4-BE49-F238E27FC236}">
-                <a16:creationId xmlns:a16="http://schemas.microsoft.com/office/drawing/2014/main" id="{BE6717F9-B841-427F-9692-4BCAE9A7F847}"/>
+                <a16:creationId xmlns:a16="http://schemas.microsoft.com/office/drawing/2014/main" id="{FAB45DE3-6CF3-4E92-9D5B-ED0947443920}"/>
               </a:ext>
             </a:extLst>
           </p:cNvPr>
-          <p:cNvPicPr>
-            <a:picLocks noChangeAspect="1"/>
-          </p:cNvPicPr>
+          <p:cNvCxnSpPr>
+            <a:cxnSpLocks/>
+            <a:stCxn id="7" idx="2"/>
+            <a:endCxn id="10" idx="0"/>
+          </p:cNvCxnSpPr>
           <p:nvPr/>
-        </p:nvPicPr>
-        <p:blipFill>
-          <a:blip r:embed="rId3"/>
-          <a:stretch>
-            <a:fillRect/>
-          </a:stretch>
-        </p:blipFill>
+        </p:nvCxnSpPr>
         <p:spPr>
           <a:xfrm>
-            <a:off x="2831770" y="2938524"/>
-            <a:ext cx="6209524" cy="980952"/>
+            <a:off x="1836072" y="2270707"/>
+            <a:ext cx="0" cy="254722"/>
+          </a:xfrm>
+          <a:prstGeom prst="straightConnector1">
+            <a:avLst/>
+          </a:prstGeom>
+          <a:ln>
+            <a:solidFill>
+              <a:srgbClr val="404040"/>
+            </a:solidFill>
+            <a:tailEnd type="arrow"/>
+          </a:ln>
+          <a:effectLst/>
+        </p:spPr>
+        <p:style>
+          <a:lnRef idx="2">
+            <a:schemeClr val="accent1"/>
+          </a:lnRef>
+          <a:fillRef idx="0">
+            <a:schemeClr val="accent1"/>
+          </a:fillRef>
+          <a:effectRef idx="1">
+            <a:schemeClr val="accent1"/>
+          </a:effectRef>
+          <a:fontRef idx="minor">
+            <a:schemeClr val="tx1"/>
+          </a:fontRef>
+        </p:style>
+      </p:cxnSp>
+      <p:sp>
+        <p:nvSpPr>
+          <p:cNvPr id="10" name="矩形 18">
+            <a:extLst>
+              <a:ext uri="{FF2B5EF4-FFF2-40B4-BE49-F238E27FC236}">
+                <a16:creationId xmlns:a16="http://schemas.microsoft.com/office/drawing/2014/main" id="{038EC448-05A4-4DBD-B31A-B5DDA3FDE1C5}"/>
+              </a:ext>
+            </a:extLst>
+          </p:cNvPr>
+          <p:cNvSpPr/>
+          <p:nvPr/>
+        </p:nvSpPr>
+        <p:spPr>
+          <a:xfrm>
+            <a:off x="938469" y="2525429"/>
+            <a:ext cx="1795206" cy="896634"/>
           </a:xfrm>
           <a:prstGeom prst="rect">
             <a:avLst/>
           </a:prstGeom>
+          <a:ln w="12700" cmpd="sng">
+            <a:solidFill>
+              <a:srgbClr val="414141"/>
+            </a:solidFill>
+          </a:ln>
         </p:spPr>
-      </p:pic>
-      <p:pic>
-        <p:nvPicPr>
-          <p:cNvPr id="4" name="Picture 3">
+        <p:txBody>
+          <a:bodyPr wrap="square" lIns="121899" tIns="60949" rIns="121899" bIns="60949">
+            <a:spAutoFit/>
+          </a:bodyPr>
+          <a:lstStyle/>
+          <a:p>
+            <a:pPr algn="ctr" defTabSz="609459">
+              <a:lnSpc>
+                <a:spcPct val="130000"/>
+              </a:lnSpc>
+            </a:pPr>
+            <a:r>
+              <a:rPr kumimoji="1" lang="zh-CN" altLang="en-US" sz="1333" dirty="0">
+                <a:solidFill>
+                  <a:prstClr val="black">
+                    <a:lumMod val="75000"/>
+                    <a:lumOff val="25000"/>
+                  </a:prstClr>
+                </a:solidFill>
+                <a:ea typeface="微软雅黑"/>
+                <a:cs typeface="微软雅黑"/>
+              </a:rPr>
+              <a:t>隧道客户端</a:t>
+            </a:r>
+            <a:r>
+              <a:rPr kumimoji="1" lang="zh-CN" altLang="en-US" sz="1333" dirty="0">
+                <a:solidFill>
+                  <a:prstClr val="black">
+                    <a:lumMod val="75000"/>
+                    <a:lumOff val="25000"/>
+                  </a:prstClr>
+                </a:solidFill>
+                <a:cs typeface="微软雅黑"/>
+              </a:rPr>
+              <a:t>封装数据包为</a:t>
+            </a:r>
+            <a:r>
+              <a:rPr kumimoji="1" lang="en-US" altLang="zh-CN" sz="1333" dirty="0" err="1">
+                <a:solidFill>
+                  <a:prstClr val="black">
+                    <a:lumMod val="75000"/>
+                    <a:lumOff val="25000"/>
+                  </a:prstClr>
+                </a:solidFill>
+                <a:cs typeface="微软雅黑"/>
+              </a:rPr>
+              <a:t>dns</a:t>
+            </a:r>
+            <a:r>
+              <a:rPr kumimoji="1" lang="zh-CN" altLang="en-US" sz="1333" dirty="0">
+                <a:solidFill>
+                  <a:prstClr val="black">
+                    <a:lumMod val="75000"/>
+                    <a:lumOff val="25000"/>
+                  </a:prstClr>
+                </a:solidFill>
+                <a:cs typeface="微软雅黑"/>
+              </a:rPr>
+              <a:t>查询包，通过</a:t>
+            </a:r>
+            <a:r>
+              <a:rPr kumimoji="1" lang="en-US" altLang="zh-CN" sz="1333" dirty="0">
+                <a:solidFill>
+                  <a:prstClr val="black">
+                    <a:lumMod val="75000"/>
+                    <a:lumOff val="25000"/>
+                  </a:prstClr>
+                </a:solidFill>
+                <a:cs typeface="微软雅黑"/>
+              </a:rPr>
+              <a:t>53</a:t>
+            </a:r>
+            <a:r>
+              <a:rPr kumimoji="1" lang="zh-CN" altLang="en-US" sz="1333" dirty="0">
+                <a:solidFill>
+                  <a:prstClr val="black">
+                    <a:lumMod val="75000"/>
+                    <a:lumOff val="25000"/>
+                  </a:prstClr>
+                </a:solidFill>
+                <a:cs typeface="微软雅黑"/>
+              </a:rPr>
+              <a:t>端口发送</a:t>
+            </a:r>
+          </a:p>
+        </p:txBody>
+      </p:sp>
+      <p:sp>
+        <p:nvSpPr>
+          <p:cNvPr id="13" name="矩形 18">
             <a:extLst>
               <a:ext uri="{FF2B5EF4-FFF2-40B4-BE49-F238E27FC236}">
-                <a16:creationId xmlns:a16="http://schemas.microsoft.com/office/drawing/2014/main" id="{10847919-EEB3-483D-A817-F5BBA39805A6}"/>
+                <a16:creationId xmlns:a16="http://schemas.microsoft.com/office/drawing/2014/main" id="{33DC2C60-9B55-423F-8093-D59D95CAE0B8}"/>
               </a:ext>
             </a:extLst>
           </p:cNvPr>
-          <p:cNvPicPr>
-            <a:picLocks noChangeAspect="1"/>
-          </p:cNvPicPr>
+          <p:cNvSpPr/>
           <p:nvPr/>
-        </p:nvPicPr>
-        <p:blipFill>
-          <a:blip r:embed="rId4"/>
-          <a:stretch>
-            <a:fillRect/>
-          </a:stretch>
-        </p:blipFill>
+        </p:nvSpPr>
         <p:spPr>
           <a:xfrm>
-            <a:off x="6419378" y="4814904"/>
-            <a:ext cx="4868863" cy="1081093"/>
+            <a:off x="3921112" y="2404230"/>
+            <a:ext cx="2374875" cy="1163310"/>
           </a:xfrm>
           <a:prstGeom prst="rect">
             <a:avLst/>
           </a:prstGeom>
+          <a:ln w="12700" cmpd="sng">
+            <a:solidFill>
+              <a:srgbClr val="414141"/>
+            </a:solidFill>
+          </a:ln>
         </p:spPr>
-      </p:pic>
+        <p:txBody>
+          <a:bodyPr wrap="square" lIns="121899" tIns="60949" rIns="121899" bIns="60949">
+            <a:spAutoFit/>
+          </a:bodyPr>
+          <a:lstStyle/>
+          <a:p>
+            <a:pPr algn="ctr" defTabSz="609459">
+              <a:lnSpc>
+                <a:spcPct val="130000"/>
+              </a:lnSpc>
+            </a:pPr>
+            <a:r>
+              <a:rPr kumimoji="1" lang="en-US" altLang="zh-CN" sz="1333" dirty="0" err="1">
+                <a:solidFill>
+                  <a:prstClr val="black">
+                    <a:lumMod val="75000"/>
+                    <a:lumOff val="25000"/>
+                  </a:prstClr>
+                </a:solidFill>
+                <a:cs typeface="微软雅黑"/>
+              </a:rPr>
+              <a:t>Dns</a:t>
+            </a:r>
+            <a:r>
+              <a:rPr kumimoji="1" lang="zh-CN" altLang="en-US" sz="1333" dirty="0">
+                <a:solidFill>
+                  <a:prstClr val="black">
+                    <a:lumMod val="75000"/>
+                    <a:lumOff val="25000"/>
+                  </a:prstClr>
+                </a:solidFill>
+                <a:cs typeface="微软雅黑"/>
+              </a:rPr>
+              <a:t>查询包发送到网络中，根据中间</a:t>
+            </a:r>
+            <a:r>
+              <a:rPr kumimoji="1" lang="en-US" altLang="zh-CN" sz="1333" dirty="0">
+                <a:solidFill>
+                  <a:prstClr val="black">
+                    <a:lumMod val="75000"/>
+                    <a:lumOff val="25000"/>
+                  </a:prstClr>
+                </a:solidFill>
+                <a:cs typeface="微软雅黑"/>
+              </a:rPr>
+              <a:t>DNS</a:t>
+            </a:r>
+            <a:r>
+              <a:rPr kumimoji="1" lang="zh-CN" altLang="en-US" sz="1333" dirty="0">
+                <a:solidFill>
+                  <a:prstClr val="black">
+                    <a:lumMod val="75000"/>
+                    <a:lumOff val="25000"/>
+                  </a:prstClr>
+                </a:solidFill>
+                <a:cs typeface="微软雅黑"/>
+              </a:rPr>
+              <a:t>服务器</a:t>
+            </a:r>
+            <a:r>
+              <a:rPr kumimoji="1" lang="en-US" altLang="zh-CN" sz="1333" dirty="0">
+                <a:solidFill>
+                  <a:prstClr val="black">
+                    <a:lumMod val="75000"/>
+                    <a:lumOff val="25000"/>
+                  </a:prstClr>
+                </a:solidFill>
+                <a:cs typeface="微软雅黑"/>
+              </a:rPr>
+              <a:t>DNS</a:t>
+            </a:r>
+            <a:r>
+              <a:rPr kumimoji="1" lang="zh-CN" altLang="en-US" sz="1333" dirty="0">
+                <a:solidFill>
+                  <a:prstClr val="black">
+                    <a:lumMod val="75000"/>
+                    <a:lumOff val="25000"/>
+                  </a:prstClr>
+                </a:solidFill>
+                <a:cs typeface="微软雅黑"/>
+              </a:rPr>
+              <a:t>记录，被发送到我们的校外服务器</a:t>
+            </a:r>
+          </a:p>
+        </p:txBody>
+      </p:sp>
+      <p:cxnSp>
+        <p:nvCxnSpPr>
+          <p:cNvPr id="14" name="直线箭头连接符 13">
+            <a:extLst>
+              <a:ext uri="{FF2B5EF4-FFF2-40B4-BE49-F238E27FC236}">
+                <a16:creationId xmlns:a16="http://schemas.microsoft.com/office/drawing/2014/main" id="{14360FF7-53F4-487F-A296-1C63690177F0}"/>
+              </a:ext>
+            </a:extLst>
+          </p:cNvPr>
+          <p:cNvCxnSpPr>
+            <a:cxnSpLocks/>
+            <a:stCxn id="10" idx="3"/>
+            <a:endCxn id="13" idx="1"/>
+          </p:cNvCxnSpPr>
+          <p:nvPr/>
+        </p:nvCxnSpPr>
+        <p:spPr>
+          <a:xfrm>
+            <a:off x="2733675" y="2973746"/>
+            <a:ext cx="1187437" cy="12139"/>
+          </a:xfrm>
+          <a:prstGeom prst="straightConnector1">
+            <a:avLst/>
+          </a:prstGeom>
+          <a:ln>
+            <a:solidFill>
+              <a:srgbClr val="404040"/>
+            </a:solidFill>
+            <a:tailEnd type="arrow"/>
+          </a:ln>
+          <a:effectLst/>
+        </p:spPr>
+        <p:style>
+          <a:lnRef idx="2">
+            <a:schemeClr val="accent1"/>
+          </a:lnRef>
+          <a:fillRef idx="0">
+            <a:schemeClr val="accent1"/>
+          </a:fillRef>
+          <a:effectRef idx="1">
+            <a:schemeClr val="accent1"/>
+          </a:effectRef>
+          <a:fontRef idx="minor">
+            <a:schemeClr val="tx1"/>
+          </a:fontRef>
+        </p:style>
+      </p:cxnSp>
+      <p:sp>
+        <p:nvSpPr>
+          <p:cNvPr id="21" name="矩形 18">
+            <a:extLst>
+              <a:ext uri="{FF2B5EF4-FFF2-40B4-BE49-F238E27FC236}">
+                <a16:creationId xmlns:a16="http://schemas.microsoft.com/office/drawing/2014/main" id="{A293E928-BA9C-447A-989E-2141C27E0F34}"/>
+              </a:ext>
+            </a:extLst>
+          </p:cNvPr>
+          <p:cNvSpPr/>
+          <p:nvPr/>
+        </p:nvSpPr>
+        <p:spPr>
+          <a:xfrm>
+            <a:off x="7340625" y="2658767"/>
+            <a:ext cx="2374875" cy="629958"/>
+          </a:xfrm>
+          <a:prstGeom prst="rect">
+            <a:avLst/>
+          </a:prstGeom>
+          <a:ln w="12700" cmpd="sng">
+            <a:solidFill>
+              <a:srgbClr val="414141"/>
+            </a:solidFill>
+          </a:ln>
+        </p:spPr>
+        <p:txBody>
+          <a:bodyPr wrap="square" lIns="121899" tIns="60949" rIns="121899" bIns="60949">
+            <a:spAutoFit/>
+          </a:bodyPr>
+          <a:lstStyle/>
+          <a:p>
+            <a:pPr algn="ctr" defTabSz="609459">
+              <a:lnSpc>
+                <a:spcPct val="130000"/>
+              </a:lnSpc>
+            </a:pPr>
+            <a:r>
+              <a:rPr kumimoji="1" lang="zh-CN" altLang="en-US" sz="1333" dirty="0">
+                <a:solidFill>
+                  <a:prstClr val="black">
+                    <a:lumMod val="75000"/>
+                    <a:lumOff val="25000"/>
+                  </a:prstClr>
+                </a:solidFill>
+                <a:cs typeface="微软雅黑"/>
+              </a:rPr>
+              <a:t>隧道服务端解封装包，并从请求字段对应端口发送出去</a:t>
+            </a:r>
+          </a:p>
+        </p:txBody>
+      </p:sp>
+      <p:cxnSp>
+        <p:nvCxnSpPr>
+          <p:cNvPr id="22" name="直线箭头连接符 13">
+            <a:extLst>
+              <a:ext uri="{FF2B5EF4-FFF2-40B4-BE49-F238E27FC236}">
+                <a16:creationId xmlns:a16="http://schemas.microsoft.com/office/drawing/2014/main" id="{E5DE729C-01E3-40E0-9BA9-691D829B9EBB}"/>
+              </a:ext>
+            </a:extLst>
+          </p:cNvPr>
+          <p:cNvCxnSpPr>
+            <a:cxnSpLocks/>
+            <a:stCxn id="13" idx="3"/>
+            <a:endCxn id="21" idx="1"/>
+          </p:cNvCxnSpPr>
+          <p:nvPr/>
+        </p:nvCxnSpPr>
+        <p:spPr>
+          <a:xfrm flipV="1">
+            <a:off x="6295987" y="2973746"/>
+            <a:ext cx="1044638" cy="12139"/>
+          </a:xfrm>
+          <a:prstGeom prst="straightConnector1">
+            <a:avLst/>
+          </a:prstGeom>
+          <a:ln>
+            <a:solidFill>
+              <a:srgbClr val="404040"/>
+            </a:solidFill>
+            <a:tailEnd type="arrow"/>
+          </a:ln>
+          <a:effectLst/>
+        </p:spPr>
+        <p:style>
+          <a:lnRef idx="2">
+            <a:schemeClr val="accent1"/>
+          </a:lnRef>
+          <a:fillRef idx="0">
+            <a:schemeClr val="accent1"/>
+          </a:fillRef>
+          <a:effectRef idx="1">
+            <a:schemeClr val="accent1"/>
+          </a:effectRef>
+          <a:fontRef idx="minor">
+            <a:schemeClr val="tx1"/>
+          </a:fontRef>
+        </p:style>
+      </p:cxnSp>
+      <p:cxnSp>
+        <p:nvCxnSpPr>
+          <p:cNvPr id="30" name="直线箭头连接符 13">
+            <a:extLst>
+              <a:ext uri="{FF2B5EF4-FFF2-40B4-BE49-F238E27FC236}">
+                <a16:creationId xmlns:a16="http://schemas.microsoft.com/office/drawing/2014/main" id="{F23C999B-3F1D-45CF-8294-05BDCC128285}"/>
+              </a:ext>
+            </a:extLst>
+          </p:cNvPr>
+          <p:cNvCxnSpPr>
+            <a:cxnSpLocks/>
+            <a:stCxn id="21" idx="2"/>
+            <a:endCxn id="31" idx="0"/>
+          </p:cNvCxnSpPr>
+          <p:nvPr/>
+        </p:nvCxnSpPr>
+        <p:spPr>
+          <a:xfrm flipH="1">
+            <a:off x="8528062" y="3288725"/>
+            <a:ext cx="1" cy="788074"/>
+          </a:xfrm>
+          <a:prstGeom prst="straightConnector1">
+            <a:avLst/>
+          </a:prstGeom>
+          <a:ln>
+            <a:solidFill>
+              <a:srgbClr val="404040"/>
+            </a:solidFill>
+            <a:tailEnd type="arrow"/>
+          </a:ln>
+          <a:effectLst/>
+        </p:spPr>
+        <p:style>
+          <a:lnRef idx="2">
+            <a:schemeClr val="accent1"/>
+          </a:lnRef>
+          <a:fillRef idx="0">
+            <a:schemeClr val="accent1"/>
+          </a:fillRef>
+          <a:effectRef idx="1">
+            <a:schemeClr val="accent1"/>
+          </a:effectRef>
+          <a:fontRef idx="minor">
+            <a:schemeClr val="tx1"/>
+          </a:fontRef>
+        </p:style>
+      </p:cxnSp>
+      <p:sp>
+        <p:nvSpPr>
+          <p:cNvPr id="31" name="矩形 18">
+            <a:extLst>
+              <a:ext uri="{FF2B5EF4-FFF2-40B4-BE49-F238E27FC236}">
+                <a16:creationId xmlns:a16="http://schemas.microsoft.com/office/drawing/2014/main" id="{5661DCFB-D7BF-4117-9B9F-64678BBCAEBC}"/>
+              </a:ext>
+            </a:extLst>
+          </p:cNvPr>
+          <p:cNvSpPr/>
+          <p:nvPr/>
+        </p:nvSpPr>
+        <p:spPr>
+          <a:xfrm>
+            <a:off x="7340624" y="4076799"/>
+            <a:ext cx="2374875" cy="629958"/>
+          </a:xfrm>
+          <a:prstGeom prst="rect">
+            <a:avLst/>
+          </a:prstGeom>
+          <a:ln w="12700" cmpd="sng">
+            <a:solidFill>
+              <a:srgbClr val="414141"/>
+            </a:solidFill>
+          </a:ln>
+        </p:spPr>
+        <p:txBody>
+          <a:bodyPr wrap="square" lIns="121899" tIns="60949" rIns="121899" bIns="60949">
+            <a:spAutoFit/>
+          </a:bodyPr>
+          <a:lstStyle/>
+          <a:p>
+            <a:pPr algn="ctr" defTabSz="609459">
+              <a:lnSpc>
+                <a:spcPct val="130000"/>
+              </a:lnSpc>
+            </a:pPr>
+            <a:r>
+              <a:rPr kumimoji="1" lang="zh-CN" altLang="en-US" sz="1333" dirty="0">
+                <a:solidFill>
+                  <a:prstClr val="black">
+                    <a:lumMod val="75000"/>
+                    <a:lumOff val="25000"/>
+                  </a:prstClr>
+                </a:solidFill>
+                <a:cs typeface="微软雅黑"/>
+              </a:rPr>
+              <a:t>服务器接收到网络中发送给客户端回复包</a:t>
+            </a:r>
+          </a:p>
+        </p:txBody>
+      </p:sp>
+      <p:sp>
+        <p:nvSpPr>
+          <p:cNvPr id="34" name="矩形 18">
+            <a:extLst>
+              <a:ext uri="{FF2B5EF4-FFF2-40B4-BE49-F238E27FC236}">
+                <a16:creationId xmlns:a16="http://schemas.microsoft.com/office/drawing/2014/main" id="{19E20A87-5A02-4308-A30E-7D767CA24FAF}"/>
+              </a:ext>
+            </a:extLst>
+          </p:cNvPr>
+          <p:cNvSpPr/>
+          <p:nvPr/>
+        </p:nvSpPr>
+        <p:spPr>
+          <a:xfrm>
+            <a:off x="3930675" y="4076799"/>
+            <a:ext cx="2374875" cy="629958"/>
+          </a:xfrm>
+          <a:prstGeom prst="rect">
+            <a:avLst/>
+          </a:prstGeom>
+          <a:ln w="12700" cmpd="sng">
+            <a:solidFill>
+              <a:srgbClr val="414141"/>
+            </a:solidFill>
+          </a:ln>
+        </p:spPr>
+        <p:txBody>
+          <a:bodyPr wrap="square" lIns="121899" tIns="60949" rIns="121899" bIns="60949">
+            <a:spAutoFit/>
+          </a:bodyPr>
+          <a:lstStyle/>
+          <a:p>
+            <a:pPr algn="ctr" defTabSz="609459">
+              <a:lnSpc>
+                <a:spcPct val="130000"/>
+              </a:lnSpc>
+            </a:pPr>
+            <a:r>
+              <a:rPr kumimoji="1" lang="zh-CN" altLang="en-US" sz="1333" dirty="0">
+                <a:solidFill>
+                  <a:prstClr val="black">
+                    <a:lumMod val="75000"/>
+                    <a:lumOff val="25000"/>
+                  </a:prstClr>
+                </a:solidFill>
+                <a:cs typeface="微软雅黑"/>
+              </a:rPr>
+              <a:t>封装为</a:t>
+            </a:r>
+            <a:r>
+              <a:rPr kumimoji="1" lang="en-US" altLang="zh-CN" sz="1333" dirty="0">
+                <a:solidFill>
+                  <a:prstClr val="black">
+                    <a:lumMod val="75000"/>
+                    <a:lumOff val="25000"/>
+                  </a:prstClr>
+                </a:solidFill>
+                <a:cs typeface="微软雅黑"/>
+              </a:rPr>
+              <a:t>DNS</a:t>
+            </a:r>
+            <a:r>
+              <a:rPr kumimoji="1" lang="zh-CN" altLang="en-US" sz="1333" dirty="0">
+                <a:solidFill>
+                  <a:prstClr val="black">
+                    <a:lumMod val="75000"/>
+                    <a:lumOff val="25000"/>
+                  </a:prstClr>
+                </a:solidFill>
+                <a:cs typeface="微软雅黑"/>
+              </a:rPr>
+              <a:t>回复包，通过</a:t>
+            </a:r>
+            <a:r>
+              <a:rPr kumimoji="1" lang="en-US" altLang="zh-CN" sz="1333" dirty="0">
+                <a:solidFill>
+                  <a:prstClr val="black">
+                    <a:lumMod val="75000"/>
+                    <a:lumOff val="25000"/>
+                  </a:prstClr>
+                </a:solidFill>
+                <a:cs typeface="微软雅黑"/>
+              </a:rPr>
+              <a:t>53</a:t>
+            </a:r>
+            <a:r>
+              <a:rPr kumimoji="1" lang="zh-CN" altLang="en-US" sz="1333" dirty="0">
+                <a:solidFill>
+                  <a:prstClr val="black">
+                    <a:lumMod val="75000"/>
+                    <a:lumOff val="25000"/>
+                  </a:prstClr>
+                </a:solidFill>
+                <a:cs typeface="微软雅黑"/>
+              </a:rPr>
+              <a:t>端口发送到网络中</a:t>
+            </a:r>
+          </a:p>
+        </p:txBody>
+      </p:sp>
+      <p:cxnSp>
+        <p:nvCxnSpPr>
+          <p:cNvPr id="35" name="直线箭头连接符 13">
+            <a:extLst>
+              <a:ext uri="{FF2B5EF4-FFF2-40B4-BE49-F238E27FC236}">
+                <a16:creationId xmlns:a16="http://schemas.microsoft.com/office/drawing/2014/main" id="{D056A820-0BA8-4C29-87C8-68C8F7E17E67}"/>
+              </a:ext>
+            </a:extLst>
+          </p:cNvPr>
+          <p:cNvCxnSpPr>
+            <a:cxnSpLocks/>
+            <a:stCxn id="31" idx="1"/>
+            <a:endCxn id="34" idx="3"/>
+          </p:cNvCxnSpPr>
+          <p:nvPr/>
+        </p:nvCxnSpPr>
+        <p:spPr>
+          <a:xfrm flipH="1">
+            <a:off x="6305550" y="4391778"/>
+            <a:ext cx="1035074" cy="0"/>
+          </a:xfrm>
+          <a:prstGeom prst="straightConnector1">
+            <a:avLst/>
+          </a:prstGeom>
+          <a:ln>
+            <a:solidFill>
+              <a:srgbClr val="404040"/>
+            </a:solidFill>
+            <a:tailEnd type="arrow"/>
+          </a:ln>
+          <a:effectLst/>
+        </p:spPr>
+        <p:style>
+          <a:lnRef idx="2">
+            <a:schemeClr val="accent1"/>
+          </a:lnRef>
+          <a:fillRef idx="0">
+            <a:schemeClr val="accent1"/>
+          </a:fillRef>
+          <a:effectRef idx="1">
+            <a:schemeClr val="accent1"/>
+          </a:effectRef>
+          <a:fontRef idx="minor">
+            <a:schemeClr val="tx1"/>
+          </a:fontRef>
+        </p:style>
+      </p:cxnSp>
+      <p:sp>
+        <p:nvSpPr>
+          <p:cNvPr id="38" name="矩形 18">
+            <a:extLst>
+              <a:ext uri="{FF2B5EF4-FFF2-40B4-BE49-F238E27FC236}">
+                <a16:creationId xmlns:a16="http://schemas.microsoft.com/office/drawing/2014/main" id="{63D25CDC-6F1A-4917-868C-F51CF0EC77E4}"/>
+              </a:ext>
+            </a:extLst>
+          </p:cNvPr>
+          <p:cNvSpPr/>
+          <p:nvPr/>
+        </p:nvSpPr>
+        <p:spPr>
+          <a:xfrm>
+            <a:off x="928905" y="3676785"/>
+            <a:ext cx="1804770" cy="1429985"/>
+          </a:xfrm>
+          <a:prstGeom prst="rect">
+            <a:avLst/>
+          </a:prstGeom>
+          <a:ln w="12700" cmpd="sng">
+            <a:solidFill>
+              <a:srgbClr val="414141"/>
+            </a:solidFill>
+          </a:ln>
+        </p:spPr>
+        <p:txBody>
+          <a:bodyPr wrap="square" lIns="121899" tIns="60949" rIns="121899" bIns="60949">
+            <a:spAutoFit/>
+          </a:bodyPr>
+          <a:lstStyle/>
+          <a:p>
+            <a:pPr algn="ctr" defTabSz="609459">
+              <a:lnSpc>
+                <a:spcPct val="130000"/>
+              </a:lnSpc>
+            </a:pPr>
+            <a:r>
+              <a:rPr kumimoji="1" lang="zh-CN" altLang="en-US" sz="1333" dirty="0">
+                <a:solidFill>
+                  <a:prstClr val="black">
+                    <a:lumMod val="75000"/>
+                    <a:lumOff val="25000"/>
+                  </a:prstClr>
+                </a:solidFill>
+                <a:cs typeface="微软雅黑"/>
+              </a:rPr>
+              <a:t>客户机收到发送给隧道客户端的</a:t>
+            </a:r>
+            <a:r>
+              <a:rPr kumimoji="1" lang="en-US" altLang="zh-CN" sz="1333" dirty="0" err="1">
+                <a:solidFill>
+                  <a:prstClr val="black">
+                    <a:lumMod val="75000"/>
+                    <a:lumOff val="25000"/>
+                  </a:prstClr>
+                </a:solidFill>
+                <a:cs typeface="微软雅黑"/>
+              </a:rPr>
+              <a:t>dns</a:t>
+            </a:r>
+            <a:r>
+              <a:rPr kumimoji="1" lang="zh-CN" altLang="en-US" sz="1333" dirty="0">
+                <a:solidFill>
+                  <a:prstClr val="black">
+                    <a:lumMod val="75000"/>
+                    <a:lumOff val="25000"/>
+                  </a:prstClr>
+                </a:solidFill>
+                <a:cs typeface="微软雅黑"/>
+              </a:rPr>
+              <a:t>回复包，由隧道客户端解封装，并发送给原进程</a:t>
+            </a:r>
+          </a:p>
+        </p:txBody>
+      </p:sp>
+      <p:cxnSp>
+        <p:nvCxnSpPr>
+          <p:cNvPr id="39" name="直线箭头连接符 13">
+            <a:extLst>
+              <a:ext uri="{FF2B5EF4-FFF2-40B4-BE49-F238E27FC236}">
+                <a16:creationId xmlns:a16="http://schemas.microsoft.com/office/drawing/2014/main" id="{9F6C2D85-2EA4-43CD-A030-A1CEAA33274C}"/>
+              </a:ext>
+            </a:extLst>
+          </p:cNvPr>
+          <p:cNvCxnSpPr>
+            <a:cxnSpLocks/>
+            <a:stCxn id="34" idx="1"/>
+            <a:endCxn id="38" idx="3"/>
+          </p:cNvCxnSpPr>
+          <p:nvPr/>
+        </p:nvCxnSpPr>
+        <p:spPr>
+          <a:xfrm flipH="1">
+            <a:off x="2733675" y="4391778"/>
+            <a:ext cx="1197000" cy="0"/>
+          </a:xfrm>
+          <a:prstGeom prst="straightConnector1">
+            <a:avLst/>
+          </a:prstGeom>
+          <a:ln>
+            <a:solidFill>
+              <a:srgbClr val="404040"/>
+            </a:solidFill>
+            <a:tailEnd type="arrow"/>
+          </a:ln>
+          <a:effectLst/>
+        </p:spPr>
+        <p:style>
+          <a:lnRef idx="2">
+            <a:schemeClr val="accent1"/>
+          </a:lnRef>
+          <a:fillRef idx="0">
+            <a:schemeClr val="accent1"/>
+          </a:fillRef>
+          <a:effectRef idx="1">
+            <a:schemeClr val="accent1"/>
+          </a:effectRef>
+          <a:fontRef idx="minor">
+            <a:schemeClr val="tx1"/>
+          </a:fontRef>
+        </p:style>
+      </p:cxnSp>
+      <p:sp>
+        <p:nvSpPr>
+          <p:cNvPr id="50" name="矩形 18">
+            <a:extLst>
+              <a:ext uri="{FF2B5EF4-FFF2-40B4-BE49-F238E27FC236}">
+                <a16:creationId xmlns:a16="http://schemas.microsoft.com/office/drawing/2014/main" id="{E4BFFF3E-5FD4-49B8-B8FF-82E5F59EA0FE}"/>
+              </a:ext>
+            </a:extLst>
+          </p:cNvPr>
+          <p:cNvSpPr/>
+          <p:nvPr/>
+        </p:nvSpPr>
+        <p:spPr>
+          <a:xfrm>
+            <a:off x="938469" y="5482693"/>
+            <a:ext cx="1795206" cy="363282"/>
+          </a:xfrm>
+          <a:prstGeom prst="rect">
+            <a:avLst/>
+          </a:prstGeom>
+          <a:ln w="12700" cmpd="sng">
+            <a:solidFill>
+              <a:srgbClr val="414141"/>
+            </a:solidFill>
+          </a:ln>
+        </p:spPr>
+        <p:txBody>
+          <a:bodyPr wrap="square" lIns="121899" tIns="60949" rIns="121899" bIns="60949">
+            <a:spAutoFit/>
+          </a:bodyPr>
+          <a:lstStyle/>
+          <a:p>
+            <a:pPr algn="ctr" defTabSz="609459">
+              <a:lnSpc>
+                <a:spcPct val="130000"/>
+              </a:lnSpc>
+            </a:pPr>
+            <a:r>
+              <a:rPr kumimoji="1" lang="zh-CN" altLang="en-US" sz="1333" dirty="0">
+                <a:solidFill>
+                  <a:prstClr val="black">
+                    <a:lumMod val="75000"/>
+                    <a:lumOff val="25000"/>
+                  </a:prstClr>
+                </a:solidFill>
+                <a:latin typeface="Century Gothic"/>
+                <a:ea typeface="微软雅黑"/>
+                <a:cs typeface="微软雅黑"/>
+              </a:rPr>
+              <a:t>客户机收到数据包</a:t>
+            </a:r>
+            <a:endParaRPr kumimoji="1" lang="zh-CN" altLang="en-US" sz="1333" dirty="0">
+              <a:solidFill>
+                <a:prstClr val="black">
+                  <a:lumMod val="75000"/>
+                  <a:lumOff val="25000"/>
+                </a:prstClr>
+              </a:solidFill>
+              <a:cs typeface="微软雅黑"/>
+            </a:endParaRPr>
+          </a:p>
+        </p:txBody>
+      </p:sp>
+      <p:cxnSp>
+        <p:nvCxnSpPr>
+          <p:cNvPr id="51" name="直线箭头连接符 13">
+            <a:extLst>
+              <a:ext uri="{FF2B5EF4-FFF2-40B4-BE49-F238E27FC236}">
+                <a16:creationId xmlns:a16="http://schemas.microsoft.com/office/drawing/2014/main" id="{BC799F78-01D8-49E3-A185-12F7C74D3871}"/>
+              </a:ext>
+            </a:extLst>
+          </p:cNvPr>
+          <p:cNvCxnSpPr>
+            <a:cxnSpLocks/>
+            <a:endCxn id="50" idx="0"/>
+          </p:cNvCxnSpPr>
+          <p:nvPr/>
+        </p:nvCxnSpPr>
+        <p:spPr>
+          <a:xfrm>
+            <a:off x="1831290" y="5106770"/>
+            <a:ext cx="4782" cy="375923"/>
+          </a:xfrm>
+          <a:prstGeom prst="straightConnector1">
+            <a:avLst/>
+          </a:prstGeom>
+          <a:ln>
+            <a:solidFill>
+              <a:srgbClr val="404040"/>
+            </a:solidFill>
+            <a:tailEnd type="arrow"/>
+          </a:ln>
+          <a:effectLst/>
+        </p:spPr>
+        <p:style>
+          <a:lnRef idx="2">
+            <a:schemeClr val="accent1"/>
+          </a:lnRef>
+          <a:fillRef idx="0">
+            <a:schemeClr val="accent1"/>
+          </a:fillRef>
+          <a:effectRef idx="1">
+            <a:schemeClr val="accent1"/>
+          </a:effectRef>
+          <a:fontRef idx="minor">
+            <a:schemeClr val="tx1"/>
+          </a:fontRef>
+        </p:style>
+      </p:cxnSp>
     </p:spTree>
     <p:extLst>
       <p:ext uri="{BB962C8B-B14F-4D97-AF65-F5344CB8AC3E}">
-        <p14:creationId xmlns:p14="http://schemas.microsoft.com/office/powerpoint/2010/main" val="3140438120"/>
+        <p14:creationId xmlns:p14="http://schemas.microsoft.com/office/powerpoint/2010/main" val="1494422761"/>
       </p:ext>
     </p:extLst>
   </p:cSld>
@@ -13405,21 +14674,21 @@
 </file>
 
 <file path=customXml/item2.xml><?xml version="1.0" encoding="utf-8"?>
+<p:properties xmlns:p="http://schemas.microsoft.com/office/2006/metadata/properties" xmlns:xsi="http://www.w3.org/2001/XMLSchema-instance" xmlns:pc="http://schemas.microsoft.com/office/infopath/2007/PartnerControls">
+  <documentManagement>
+    <_Version xmlns="http://schemas.microsoft.com/sharepoint/v3/fields" xsi:nil="true"/>
+    <_Status xmlns="http://schemas.microsoft.com/sharepoint/v3/fields">Not Started</_Status>
+  </documentManagement>
+</p:properties>
+</file>
+
+<file path=customXml/item3.xml><?xml version="1.0" encoding="utf-8"?>
 <?mso-contentType ?>
 <FormTemplates xmlns="http://schemas.microsoft.com/sharepoint/v3/contenttype/forms">
   <Display>DocumentLibraryForm</Display>
   <Edit>DocumentLibraryForm</Edit>
   <New>DocumentLibraryForm</New>
 </FormTemplates>
-</file>
-
-<file path=customXml/item3.xml><?xml version="1.0" encoding="utf-8"?>
-<p:properties xmlns:p="http://schemas.microsoft.com/office/2006/metadata/properties" xmlns:xsi="http://www.w3.org/2001/XMLSchema-instance" xmlns:pc="http://schemas.microsoft.com/office/infopath/2007/PartnerControls">
-  <documentManagement>
-    <_Version xmlns="http://schemas.microsoft.com/sharepoint/v3/fields" xsi:nil="true"/>
-    <_Status xmlns="http://schemas.microsoft.com/sharepoint/v3/fields">Not Started</_Status>
-  </documentManagement>
-</p:properties>
 </file>
 
 <file path=customXml/itemProps1.xml><?xml version="1.0" encoding="utf-8"?>
@@ -13441,14 +14710,6 @@
 </file>
 
 <file path=customXml/itemProps2.xml><?xml version="1.0" encoding="utf-8"?>
-<ds:datastoreItem xmlns:ds="http://schemas.openxmlformats.org/officeDocument/2006/customXml" ds:itemID="{87D2A1B0-FF3E-4009-940D-AED0EB70AA20}">
-  <ds:schemaRefs>
-    <ds:schemaRef ds:uri="http://schemas.microsoft.com/sharepoint/v3/contenttype/forms"/>
-  </ds:schemaRefs>
-</ds:datastoreItem>
-</file>
-
-<file path=customXml/itemProps3.xml><?xml version="1.0" encoding="utf-8"?>
 <ds:datastoreItem xmlns:ds="http://schemas.openxmlformats.org/officeDocument/2006/customXml" ds:itemID="{7B6F2769-7194-4217-93D3-3AF3A4742282}">
   <ds:schemaRefs>
     <ds:schemaRef ds:uri="http://purl.org/dc/dcmitype/"/>
@@ -13462,4 +14723,12 @@
     <ds:schemaRef ds:uri="http://schemas.microsoft.com/office/2006/metadata/properties"/>
   </ds:schemaRefs>
 </ds:datastoreItem>
+</file>
+
+<file path=customXml/itemProps3.xml><?xml version="1.0" encoding="utf-8"?>
+<ds:datastoreItem xmlns:ds="http://schemas.openxmlformats.org/officeDocument/2006/customXml" ds:itemID="{87D2A1B0-FF3E-4009-940D-AED0EB70AA20}">
+  <ds:schemaRefs>
+    <ds:schemaRef ds:uri="http://schemas.microsoft.com/sharepoint/v3/contenttype/forms"/>
+  </ds:schemaRefs>
+</ds:datastoreItem>
 </file>